--- a/ENSF 607 Lab 3.pptx
+++ b/ENSF 607 Lab 3.pptx
@@ -27365,10 +27365,10 @@
       </p:sp>
       <p:pic>
         <p:nvPicPr>
-          <p:cNvPr id="6" name="Content Placeholder 5">
+          <p:cNvPr id="10" name="Content Placeholder 9">
             <a:extLst>
               <a:ext uri="{FF2B5EF4-FFF2-40B4-BE49-F238E27FC236}">
-                <a16:creationId xmlns:a16="http://schemas.microsoft.com/office/drawing/2014/main" id="{FACA6090-2C54-8D76-4A99-6DE3B9C4DADF}"/>
+                <a16:creationId xmlns:a16="http://schemas.microsoft.com/office/drawing/2014/main" id="{3FDE3700-492F-4616-C87A-46340427D3C5}"/>
               </a:ext>
             </a:extLst>
           </p:cNvPr>
@@ -27387,8 +27387,8 @@
         </p:blipFill>
         <p:spPr>
           <a:xfrm>
-            <a:off x="5183188" y="1542505"/>
-            <a:ext cx="6242050" cy="3517403"/>
+            <a:off x="5183188" y="1544377"/>
+            <a:ext cx="6242050" cy="3513658"/>
           </a:xfrm>
         </p:spPr>
       </p:pic>
@@ -28588,18 +28588,18 @@
 </file>
 
 <file path=customXml/item1.xml><?xml version="1.0" encoding="utf-8"?>
+<p:properties xmlns:p="http://schemas.microsoft.com/office/2006/metadata/properties" xmlns:xsi="http://www.w3.org/2001/XMLSchema-instance" xmlns:pc="http://schemas.microsoft.com/office/infopath/2007/PartnerControls">
+  <documentManagement/>
+</p:properties>
+</file>
+
+<file path=customXml/item2.xml><?xml version="1.0" encoding="utf-8"?>
 <?mso-contentType ?>
 <FormTemplates xmlns="http://schemas.microsoft.com/sharepoint/v3/contenttype/forms">
   <Display>DocumentLibraryForm</Display>
   <Edit>DocumentLibraryForm</Edit>
   <New>DocumentLibraryForm</New>
 </FormTemplates>
-</file>
-
-<file path=customXml/item2.xml><?xml version="1.0" encoding="utf-8"?>
-<p:properties xmlns:p="http://schemas.microsoft.com/office/2006/metadata/properties" xmlns:xsi="http://www.w3.org/2001/XMLSchema-instance" xmlns:pc="http://schemas.microsoft.com/office/infopath/2007/PartnerControls">
-  <documentManagement/>
-</p:properties>
 </file>
 
 <file path=customXml/item3.xml><?xml version="1.0" encoding="utf-8"?>
@@ -28717,14 +28717,6 @@
 </file>
 
 <file path=customXml/itemProps1.xml><?xml version="1.0" encoding="utf-8"?>
-<ds:datastoreItem xmlns:ds="http://schemas.openxmlformats.org/officeDocument/2006/customXml" ds:itemID="{5117FA41-AE03-4A0A-A9B0-817CABD09473}">
-  <ds:schemaRefs>
-    <ds:schemaRef ds:uri="http://schemas.microsoft.com/sharepoint/v3/contenttype/forms"/>
-  </ds:schemaRefs>
-</ds:datastoreItem>
-</file>
-
-<file path=customXml/itemProps2.xml><?xml version="1.0" encoding="utf-8"?>
 <ds:datastoreItem xmlns:ds="http://schemas.openxmlformats.org/officeDocument/2006/customXml" ds:itemID="{A4D542F6-3184-4387-BE39-8DA735EB5504}">
   <ds:schemaRefs>
     <ds:schemaRef ds:uri="http://purl.org/dc/elements/1.1/"/>
@@ -28735,6 +28727,14 @@
     <ds:schemaRef ds:uri="http://schemas.microsoft.com/office/infopath/2007/PartnerControls"/>
     <ds:schemaRef ds:uri="http://www.w3.org/XML/1998/namespace"/>
     <ds:schemaRef ds:uri="http://purl.org/dc/dcmitype/"/>
+  </ds:schemaRefs>
+</ds:datastoreItem>
+</file>
+
+<file path=customXml/itemProps2.xml><?xml version="1.0" encoding="utf-8"?>
+<ds:datastoreItem xmlns:ds="http://schemas.openxmlformats.org/officeDocument/2006/customXml" ds:itemID="{5117FA41-AE03-4A0A-A9B0-817CABD09473}">
+  <ds:schemaRefs>
+    <ds:schemaRef ds:uri="http://schemas.microsoft.com/sharepoint/v3/contenttype/forms"/>
   </ds:schemaRefs>
 </ds:datastoreItem>
 </file>

--- a/ENSF 607 Lab 3.pptx
+++ b/ENSF 607 Lab 3.pptx
@@ -27572,10 +27572,10 @@
       </p:sp>
       <p:pic>
         <p:nvPicPr>
-          <p:cNvPr id="10" name="Content Placeholder 9">
+          <p:cNvPr id="6" name="Content Placeholder 5">
             <a:extLst>
               <a:ext uri="{FF2B5EF4-FFF2-40B4-BE49-F238E27FC236}">
-                <a16:creationId xmlns:a16="http://schemas.microsoft.com/office/drawing/2014/main" id="{C63B151C-769C-D01C-A7FD-3D10E05E3D9C}"/>
+                <a16:creationId xmlns:a16="http://schemas.microsoft.com/office/drawing/2014/main" id="{D00D309B-390E-3593-EF4B-EC82960B767A}"/>
               </a:ext>
             </a:extLst>
           </p:cNvPr>
@@ -27594,8 +27594,8 @@
         </p:blipFill>
         <p:spPr>
           <a:xfrm>
-            <a:off x="5183188" y="1551726"/>
-            <a:ext cx="6242050" cy="3498961"/>
+            <a:off x="5183188" y="1544377"/>
+            <a:ext cx="6242050" cy="3513658"/>
           </a:xfrm>
         </p:spPr>
       </p:pic>
@@ -28588,21 +28588,6 @@
 </file>
 
 <file path=customXml/item1.xml><?xml version="1.0" encoding="utf-8"?>
-<p:properties xmlns:p="http://schemas.microsoft.com/office/2006/metadata/properties" xmlns:xsi="http://www.w3.org/2001/XMLSchema-instance" xmlns:pc="http://schemas.microsoft.com/office/infopath/2007/PartnerControls">
-  <documentManagement/>
-</p:properties>
-</file>
-
-<file path=customXml/item2.xml><?xml version="1.0" encoding="utf-8"?>
-<?mso-contentType ?>
-<FormTemplates xmlns="http://schemas.microsoft.com/sharepoint/v3/contenttype/forms">
-  <Display>DocumentLibraryForm</Display>
-  <Edit>DocumentLibraryForm</Edit>
-  <New>DocumentLibraryForm</New>
-</FormTemplates>
-</file>
-
-<file path=customXml/item3.xml><?xml version="1.0" encoding="utf-8"?>
 <ct:contentTypeSchema xmlns:ct="http://schemas.microsoft.com/office/2006/metadata/contentType" xmlns:ma="http://schemas.microsoft.com/office/2006/metadata/properties/metaAttributes" ct:_="" ma:_="" ma:contentTypeName="Document" ma:contentTypeID="0x0101006C4D0E3AB8E0A94B8B869426CE67F640" ma:contentTypeVersion="0" ma:contentTypeDescription="Create a new document." ma:contentTypeScope="" ma:versionID="0ad18327fb9541f761622ba83bd559c6">
   <xsd:schema xmlns:xsd="http://www.w3.org/2001/XMLSchema" xmlns:xs="http://www.w3.org/2001/XMLSchema" xmlns:p="http://schemas.microsoft.com/office/2006/metadata/properties" targetNamespace="http://schemas.microsoft.com/office/2006/metadata/properties" ma:root="true" ma:fieldsID="1b8aa52597a410fcdcca458e482775c5">
     <xsd:element name="properties">
@@ -28716,30 +28701,22 @@
 </ct:contentTypeSchema>
 </file>
 
-<file path=customXml/itemProps1.xml><?xml version="1.0" encoding="utf-8"?>
-<ds:datastoreItem xmlns:ds="http://schemas.openxmlformats.org/officeDocument/2006/customXml" ds:itemID="{A4D542F6-3184-4387-BE39-8DA735EB5504}">
-  <ds:schemaRefs>
-    <ds:schemaRef ds:uri="http://purl.org/dc/elements/1.1/"/>
-    <ds:schemaRef ds:uri="http://schemas.microsoft.com/office/2006/metadata/properties"/>
-    <ds:schemaRef ds:uri="http://purl.org/dc/terms/"/>
-    <ds:schemaRef ds:uri="http://schemas.openxmlformats.org/package/2006/metadata/core-properties"/>
-    <ds:schemaRef ds:uri="http://schemas.microsoft.com/office/2006/documentManagement/types"/>
-    <ds:schemaRef ds:uri="http://schemas.microsoft.com/office/infopath/2007/PartnerControls"/>
-    <ds:schemaRef ds:uri="http://www.w3.org/XML/1998/namespace"/>
-    <ds:schemaRef ds:uri="http://purl.org/dc/dcmitype/"/>
-  </ds:schemaRefs>
-</ds:datastoreItem>
+<file path=customXml/item2.xml><?xml version="1.0" encoding="utf-8"?>
+<?mso-contentType ?>
+<FormTemplates xmlns="http://schemas.microsoft.com/sharepoint/v3/contenttype/forms">
+  <Display>DocumentLibraryForm</Display>
+  <Edit>DocumentLibraryForm</Edit>
+  <New>DocumentLibraryForm</New>
+</FormTemplates>
 </file>
 
-<file path=customXml/itemProps2.xml><?xml version="1.0" encoding="utf-8"?>
-<ds:datastoreItem xmlns:ds="http://schemas.openxmlformats.org/officeDocument/2006/customXml" ds:itemID="{5117FA41-AE03-4A0A-A9B0-817CABD09473}">
-  <ds:schemaRefs>
-    <ds:schemaRef ds:uri="http://schemas.microsoft.com/sharepoint/v3/contenttype/forms"/>
-  </ds:schemaRefs>
-</ds:datastoreItem>
+<file path=customXml/item3.xml><?xml version="1.0" encoding="utf-8"?>
+<p:properties xmlns:p="http://schemas.microsoft.com/office/2006/metadata/properties" xmlns:xsi="http://www.w3.org/2001/XMLSchema-instance" xmlns:pc="http://schemas.microsoft.com/office/infopath/2007/PartnerControls">
+  <documentManagement/>
+</p:properties>
 </file>
 
-<file path=customXml/itemProps3.xml><?xml version="1.0" encoding="utf-8"?>
+<file path=customXml/itemProps1.xml><?xml version="1.0" encoding="utf-8"?>
 <ds:datastoreItem xmlns:ds="http://schemas.openxmlformats.org/officeDocument/2006/customXml" ds:itemID="{7E154C0A-F9A1-4DA1-9F04-FD1A59E16143}">
   <ds:schemaRefs>
     <ds:schemaRef ds:uri="http://schemas.microsoft.com/office/2006/metadata/contentType"/>
@@ -28755,6 +28732,29 @@
 </ds:datastoreItem>
 </file>
 
+<file path=customXml/itemProps2.xml><?xml version="1.0" encoding="utf-8"?>
+<ds:datastoreItem xmlns:ds="http://schemas.openxmlformats.org/officeDocument/2006/customXml" ds:itemID="{5117FA41-AE03-4A0A-A9B0-817CABD09473}">
+  <ds:schemaRefs>
+    <ds:schemaRef ds:uri="http://schemas.microsoft.com/sharepoint/v3/contenttype/forms"/>
+  </ds:schemaRefs>
+</ds:datastoreItem>
+</file>
+
+<file path=customXml/itemProps3.xml><?xml version="1.0" encoding="utf-8"?>
+<ds:datastoreItem xmlns:ds="http://schemas.openxmlformats.org/officeDocument/2006/customXml" ds:itemID="{A4D542F6-3184-4387-BE39-8DA735EB5504}">
+  <ds:schemaRefs>
+    <ds:schemaRef ds:uri="http://purl.org/dc/elements/1.1/"/>
+    <ds:schemaRef ds:uri="http://schemas.microsoft.com/office/2006/metadata/properties"/>
+    <ds:schemaRef ds:uri="http://purl.org/dc/terms/"/>
+    <ds:schemaRef ds:uri="http://schemas.openxmlformats.org/package/2006/metadata/core-properties"/>
+    <ds:schemaRef ds:uri="http://schemas.microsoft.com/office/2006/documentManagement/types"/>
+    <ds:schemaRef ds:uri="http://schemas.microsoft.com/office/infopath/2007/PartnerControls"/>
+    <ds:schemaRef ds:uri="http://www.w3.org/XML/1998/namespace"/>
+    <ds:schemaRef ds:uri="http://purl.org/dc/dcmitype/"/>
+  </ds:schemaRefs>
+</ds:datastoreItem>
+</file>
+
 <file path=docMetadata/LabelInfo.xml><?xml version="1.0" encoding="utf-8"?>
 <clbl:labelList xmlns:clbl="http://schemas.microsoft.com/office/2020/mipLabelMetadata"/>
 </file>
--- a/ENSF 607 Lab 3.pptx
+++ b/ENSF 607 Lab 3.pptx
@@ -358,7 +358,7 @@
           <a:p>
             <a:fld id="{D9D42D35-0463-4920-BEF7-2B88080E67A2}" type="datetimeFigureOut">
               <a:rPr lang="en-US" smtClean="0"/>
-              <a:t>10/18/2023</a:t>
+              <a:t>10/19/2023</a:t>
             </a:fld>
             <a:endParaRPr lang="en-US"/>
           </a:p>
@@ -26707,27 +26707,17 @@
             </a:pPr>
             <a:r>
               <a:rPr lang="en-US" dirty="0"/>
-              <a:t>As duration increases the number of tickets get lower as they are being taken completed </a:t>
-            </a:r>
-          </a:p>
-          <a:p>
-            <a:pPr marL="742950" lvl="1" indent="-285750">
-              <a:buFont typeface="Arial" panose="020B0604020202020204" pitchFamily="34" charset="0"/>
-              <a:buChar char="•"/>
-            </a:pPr>
-            <a:r>
-              <a:rPr lang="en-US" dirty="0"/>
-              <a:t>Most service tickets have a duration of below 20 days </a:t>
+              <a:t>Tickets of class Change and Incident have the greatest number of tickets and take the most time to solve </a:t>
             </a:r>
           </a:p>
         </p:txBody>
       </p:sp>
       <p:pic>
         <p:nvPicPr>
-          <p:cNvPr id="22" name="Content Placeholder 21">
+          <p:cNvPr id="6" name="Content Placeholder 5">
             <a:extLst>
               <a:ext uri="{FF2B5EF4-FFF2-40B4-BE49-F238E27FC236}">
-                <a16:creationId xmlns:a16="http://schemas.microsoft.com/office/drawing/2014/main" id="{D23B2642-1C3E-10A1-0E2F-659CCF9EB73E}"/>
+                <a16:creationId xmlns:a16="http://schemas.microsoft.com/office/drawing/2014/main" id="{1C649E18-93F7-D558-5087-EB9EA6715850}"/>
               </a:ext>
             </a:extLst>
           </p:cNvPr>
@@ -26746,8 +26736,8 @@
         </p:blipFill>
         <p:spPr>
           <a:xfrm>
-            <a:off x="5183188" y="1548603"/>
-            <a:ext cx="6242050" cy="3505207"/>
+            <a:off x="5183188" y="1544865"/>
+            <a:ext cx="6242050" cy="3512683"/>
           </a:xfrm>
         </p:spPr>
       </p:pic>
@@ -26939,17 +26929,27 @@
             </a:pPr>
             <a:r>
               <a:rPr lang="en-US" dirty="0"/>
-              <a:t>More service tickets deployed failed before they were successfully deployed </a:t>
+              <a:t>A greater number of tickets deployed failed than deployed successfully </a:t>
+            </a:r>
+          </a:p>
+          <a:p>
+            <a:pPr marL="742950" lvl="1" indent="-285750">
+              <a:buFont typeface="Arial" panose="020B0604020202020204" pitchFamily="34" charset="0"/>
+              <a:buChar char="•"/>
+            </a:pPr>
+            <a:r>
+              <a:rPr lang="en-US" dirty="0"/>
+              <a:t>The month of march saw the greatest discrepancy between failed deployments and successfully deployments</a:t>
             </a:r>
           </a:p>
         </p:txBody>
       </p:sp>
       <p:pic>
         <p:nvPicPr>
-          <p:cNvPr id="9" name="Content Placeholder 8">
+          <p:cNvPr id="6" name="Content Placeholder 5">
             <a:extLst>
               <a:ext uri="{FF2B5EF4-FFF2-40B4-BE49-F238E27FC236}">
-                <a16:creationId xmlns:a16="http://schemas.microsoft.com/office/drawing/2014/main" id="{B6B34B9A-DC25-E2AD-7CFA-24A9F378F108}"/>
+                <a16:creationId xmlns:a16="http://schemas.microsoft.com/office/drawing/2014/main" id="{940B055B-49CB-1BCB-6026-A6AB303840B1}"/>
               </a:ext>
             </a:extLst>
           </p:cNvPr>
@@ -26968,8 +26968,8 @@
         </p:blipFill>
         <p:spPr>
           <a:xfrm>
-            <a:off x="5183188" y="1543570"/>
-            <a:ext cx="6242050" cy="3515272"/>
+            <a:off x="5183188" y="1550894"/>
+            <a:ext cx="6242050" cy="3500625"/>
           </a:xfrm>
         </p:spPr>
       </p:pic>
@@ -27171,10 +27171,10 @@
       </p:sp>
       <p:pic>
         <p:nvPicPr>
-          <p:cNvPr id="12" name="Content Placeholder 11">
+          <p:cNvPr id="6" name="Content Placeholder 5">
             <a:extLst>
               <a:ext uri="{FF2B5EF4-FFF2-40B4-BE49-F238E27FC236}">
-                <a16:creationId xmlns:a16="http://schemas.microsoft.com/office/drawing/2014/main" id="{21464DE8-88D5-0707-17F5-E4847A6D4E00}"/>
+                <a16:creationId xmlns:a16="http://schemas.microsoft.com/office/drawing/2014/main" id="{84D9CCCE-5103-5875-E5D8-F4F667F0A536}"/>
               </a:ext>
             </a:extLst>
           </p:cNvPr>
@@ -27193,8 +27193,8 @@
         </p:blipFill>
         <p:spPr>
           <a:xfrm>
-            <a:off x="5183188" y="1550985"/>
-            <a:ext cx="6242050" cy="3500443"/>
+            <a:off x="5183188" y="1550745"/>
+            <a:ext cx="6242050" cy="3500922"/>
           </a:xfrm>
         </p:spPr>
       </p:pic>
@@ -27358,17 +27358,27 @@
             </a:pPr>
             <a:r>
               <a:rPr lang="en-US" dirty="0"/>
-              <a:t>We can see most tickets were priority level 3 and priority lever M has the least number of tickets </a:t>
+              <a:t>We can see most tickets were priority level 3 and priority level 1 has the least number of tickets </a:t>
+            </a:r>
+          </a:p>
+          <a:p>
+            <a:pPr marL="285750" indent="-285750">
+              <a:buFont typeface="Arial" panose="020B0604020202020204" pitchFamily="34" charset="0"/>
+              <a:buChar char="•"/>
+            </a:pPr>
+            <a:r>
+              <a:rPr lang="en-US" dirty="0"/>
+              <a:t>Over 70% of tickets generated had medium priority levels (2-4)</a:t>
             </a:r>
           </a:p>
         </p:txBody>
       </p:sp>
       <p:pic>
         <p:nvPicPr>
-          <p:cNvPr id="10" name="Content Placeholder 9">
+          <p:cNvPr id="6" name="Content Placeholder 5">
             <a:extLst>
               <a:ext uri="{FF2B5EF4-FFF2-40B4-BE49-F238E27FC236}">
-                <a16:creationId xmlns:a16="http://schemas.microsoft.com/office/drawing/2014/main" id="{3FDE3700-492F-4616-C87A-46340427D3C5}"/>
+                <a16:creationId xmlns:a16="http://schemas.microsoft.com/office/drawing/2014/main" id="{B4350915-A683-3250-3EC0-FD7E3394BF10}"/>
               </a:ext>
             </a:extLst>
           </p:cNvPr>
@@ -27387,8 +27397,8 @@
         </p:blipFill>
         <p:spPr>
           <a:xfrm>
-            <a:off x="5183188" y="1544377"/>
-            <a:ext cx="6242050" cy="3513658"/>
+            <a:off x="5183188" y="1550358"/>
+            <a:ext cx="6242050" cy="3501697"/>
           </a:xfrm>
         </p:spPr>
       </p:pic>
@@ -27566,16 +27576,26 @@
             </a:r>
           </a:p>
           <a:p>
+            <a:pPr marL="285750" indent="-285750">
+              <a:buFont typeface="Arial" panose="020B0604020202020204" pitchFamily="34" charset="0"/>
+              <a:buChar char="•"/>
+            </a:pPr>
+            <a:r>
+              <a:rPr lang="en-US" dirty="0"/>
+              <a:t>Most tickets generated were priority level three</a:t>
+            </a:r>
+          </a:p>
+          <a:p>
             <a:endParaRPr lang="en-US" dirty="0"/>
           </a:p>
         </p:txBody>
       </p:sp>
       <p:pic>
         <p:nvPicPr>
-          <p:cNvPr id="6" name="Content Placeholder 5">
+          <p:cNvPr id="7" name="Content Placeholder 6">
             <a:extLst>
               <a:ext uri="{FF2B5EF4-FFF2-40B4-BE49-F238E27FC236}">
-                <a16:creationId xmlns:a16="http://schemas.microsoft.com/office/drawing/2014/main" id="{D00D309B-390E-3593-EF4B-EC82960B767A}"/>
+                <a16:creationId xmlns:a16="http://schemas.microsoft.com/office/drawing/2014/main" id="{A6045234-9C14-FCAA-51F4-E66620CEF17A}"/>
               </a:ext>
             </a:extLst>
           </p:cNvPr>
@@ -27594,8 +27614,8 @@
         </p:blipFill>
         <p:spPr>
           <a:xfrm>
-            <a:off x="5183188" y="1544377"/>
-            <a:ext cx="6242050" cy="3513658"/>
+            <a:off x="5183188" y="1542350"/>
+            <a:ext cx="6242050" cy="3517713"/>
           </a:xfrm>
         </p:spPr>
       </p:pic>
@@ -27653,13 +27673,13 @@
         </p:spPr>
         <p:txBody>
           <a:bodyPr anchor="b">
-            <a:normAutofit/>
+            <a:normAutofit fontScale="90000"/>
           </a:bodyPr>
           <a:lstStyle/>
           <a:p>
             <a:r>
               <a:rPr lang="en-CA" altLang="zh-CN" dirty="0"/>
-              <a:t>Count of id by ticket status</a:t>
+              <a:t>Total number of tickets by month and status</a:t>
             </a:r>
             <a:endParaRPr lang="en-US" dirty="0"/>
           </a:p>
@@ -27749,17 +27769,57 @@
             </a:pPr>
             <a:r>
               <a:rPr lang="en-US" dirty="0"/>
-              <a:t>This graph shows the split of tickets and the status they were. </a:t>
+              <a:t>X-Axis: Total number of tickets</a:t>
+            </a:r>
+          </a:p>
+          <a:p>
+            <a:pPr marL="285750" indent="-285750">
+              <a:buFont typeface="Arial" panose="020B0604020202020204" pitchFamily="34" charset="0"/>
+              <a:buChar char="•"/>
+            </a:pPr>
+            <a:r>
+              <a:rPr lang="en-US" dirty="0"/>
+              <a:t>Y-Axis: Months, split by status</a:t>
+            </a:r>
+          </a:p>
+          <a:p>
+            <a:pPr marL="285750" indent="-285750">
+              <a:buFont typeface="Arial" panose="020B0604020202020204" pitchFamily="34" charset="0"/>
+              <a:buChar char="•"/>
+            </a:pPr>
+            <a:r>
+              <a:rPr lang="en-US" dirty="0"/>
+              <a:t>Key Takeaways:</a:t>
+            </a:r>
+          </a:p>
+          <a:p>
+            <a:pPr marL="742950" lvl="1" indent="-285750">
+              <a:buFont typeface="Arial" panose="020B0604020202020204" pitchFamily="34" charset="0"/>
+              <a:buChar char="•"/>
+            </a:pPr>
+            <a:r>
+              <a:rPr lang="en-US" dirty="0"/>
+              <a:t>June had the least number of tickets, possibly due to how the tickets were generated  </a:t>
+            </a:r>
+          </a:p>
+          <a:p>
+            <a:pPr marL="742950" lvl="1" indent="-285750">
+              <a:buFont typeface="Arial" panose="020B0604020202020204" pitchFamily="34" charset="0"/>
+              <a:buChar char="•"/>
+            </a:pPr>
+            <a:r>
+              <a:rPr lang="en-US" dirty="0"/>
+              <a:t>January had the greatest number of tickets followed by February which had drop in the number of tickets, we can assume that the successful deployments may have had a impact. </a:t>
             </a:r>
           </a:p>
         </p:txBody>
       </p:sp>
       <p:pic>
         <p:nvPicPr>
-          <p:cNvPr id="6" name="Content Placeholder 5">
+          <p:cNvPr id="7" name="Content Placeholder 6">
             <a:extLst>
               <a:ext uri="{FF2B5EF4-FFF2-40B4-BE49-F238E27FC236}">
-                <a16:creationId xmlns:a16="http://schemas.microsoft.com/office/drawing/2014/main" id="{00D0C7CA-EC0E-D386-D934-E77E72572DE7}"/>
+                <a16:creationId xmlns:a16="http://schemas.microsoft.com/office/drawing/2014/main" id="{2667DAEB-D38F-9D2B-021E-5A2357B3A9CC}"/>
               </a:ext>
             </a:extLst>
           </p:cNvPr>
@@ -27778,8 +27838,8 @@
         </p:blipFill>
         <p:spPr>
           <a:xfrm>
-            <a:off x="5183188" y="1545097"/>
-            <a:ext cx="6242050" cy="3512219"/>
+            <a:off x="5183188" y="1546394"/>
+            <a:ext cx="6242050" cy="3509625"/>
           </a:xfrm>
         </p:spPr>
       </p:pic>
@@ -28588,6 +28648,21 @@
 </file>
 
 <file path=customXml/item1.xml><?xml version="1.0" encoding="utf-8"?>
+<p:properties xmlns:p="http://schemas.microsoft.com/office/2006/metadata/properties" xmlns:xsi="http://www.w3.org/2001/XMLSchema-instance" xmlns:pc="http://schemas.microsoft.com/office/infopath/2007/PartnerControls">
+  <documentManagement/>
+</p:properties>
+</file>
+
+<file path=customXml/item2.xml><?xml version="1.0" encoding="utf-8"?>
+<?mso-contentType ?>
+<FormTemplates xmlns="http://schemas.microsoft.com/sharepoint/v3/contenttype/forms">
+  <Display>DocumentLibraryForm</Display>
+  <Edit>DocumentLibraryForm</Edit>
+  <New>DocumentLibraryForm</New>
+</FormTemplates>
+</file>
+
+<file path=customXml/item3.xml><?xml version="1.0" encoding="utf-8"?>
 <ct:contentTypeSchema xmlns:ct="http://schemas.microsoft.com/office/2006/metadata/contentType" xmlns:ma="http://schemas.microsoft.com/office/2006/metadata/properties/metaAttributes" ct:_="" ma:_="" ma:contentTypeName="Document" ma:contentTypeID="0x0101006C4D0E3AB8E0A94B8B869426CE67F640" ma:contentTypeVersion="0" ma:contentTypeDescription="Create a new document." ma:contentTypeScope="" ma:versionID="0ad18327fb9541f761622ba83bd559c6">
   <xsd:schema xmlns:xsd="http://www.w3.org/2001/XMLSchema" xmlns:xs="http://www.w3.org/2001/XMLSchema" xmlns:p="http://schemas.microsoft.com/office/2006/metadata/properties" targetNamespace="http://schemas.microsoft.com/office/2006/metadata/properties" ma:root="true" ma:fieldsID="1b8aa52597a410fcdcca458e482775c5">
     <xsd:element name="properties">
@@ -28701,22 +28776,30 @@
 </ct:contentTypeSchema>
 </file>
 
-<file path=customXml/item2.xml><?xml version="1.0" encoding="utf-8"?>
-<?mso-contentType ?>
-<FormTemplates xmlns="http://schemas.microsoft.com/sharepoint/v3/contenttype/forms">
-  <Display>DocumentLibraryForm</Display>
-  <Edit>DocumentLibraryForm</Edit>
-  <New>DocumentLibraryForm</New>
-</FormTemplates>
+<file path=customXml/itemProps1.xml><?xml version="1.0" encoding="utf-8"?>
+<ds:datastoreItem xmlns:ds="http://schemas.openxmlformats.org/officeDocument/2006/customXml" ds:itemID="{A4D542F6-3184-4387-BE39-8DA735EB5504}">
+  <ds:schemaRefs>
+    <ds:schemaRef ds:uri="http://purl.org/dc/elements/1.1/"/>
+    <ds:schemaRef ds:uri="http://schemas.microsoft.com/office/2006/metadata/properties"/>
+    <ds:schemaRef ds:uri="http://purl.org/dc/terms/"/>
+    <ds:schemaRef ds:uri="http://schemas.openxmlformats.org/package/2006/metadata/core-properties"/>
+    <ds:schemaRef ds:uri="http://schemas.microsoft.com/office/2006/documentManagement/types"/>
+    <ds:schemaRef ds:uri="http://schemas.microsoft.com/office/infopath/2007/PartnerControls"/>
+    <ds:schemaRef ds:uri="http://www.w3.org/XML/1998/namespace"/>
+    <ds:schemaRef ds:uri="http://purl.org/dc/dcmitype/"/>
+  </ds:schemaRefs>
+</ds:datastoreItem>
 </file>
 
-<file path=customXml/item3.xml><?xml version="1.0" encoding="utf-8"?>
-<p:properties xmlns:p="http://schemas.microsoft.com/office/2006/metadata/properties" xmlns:xsi="http://www.w3.org/2001/XMLSchema-instance" xmlns:pc="http://schemas.microsoft.com/office/infopath/2007/PartnerControls">
-  <documentManagement/>
-</p:properties>
+<file path=customXml/itemProps2.xml><?xml version="1.0" encoding="utf-8"?>
+<ds:datastoreItem xmlns:ds="http://schemas.openxmlformats.org/officeDocument/2006/customXml" ds:itemID="{5117FA41-AE03-4A0A-A9B0-817CABD09473}">
+  <ds:schemaRefs>
+    <ds:schemaRef ds:uri="http://schemas.microsoft.com/sharepoint/v3/contenttype/forms"/>
+  </ds:schemaRefs>
+</ds:datastoreItem>
 </file>
 
-<file path=customXml/itemProps1.xml><?xml version="1.0" encoding="utf-8"?>
+<file path=customXml/itemProps3.xml><?xml version="1.0" encoding="utf-8"?>
 <ds:datastoreItem xmlns:ds="http://schemas.openxmlformats.org/officeDocument/2006/customXml" ds:itemID="{7E154C0A-F9A1-4DA1-9F04-FD1A59E16143}">
   <ds:schemaRefs>
     <ds:schemaRef ds:uri="http://schemas.microsoft.com/office/2006/metadata/contentType"/>
@@ -28732,29 +28815,6 @@
 </ds:datastoreItem>
 </file>
 
-<file path=customXml/itemProps2.xml><?xml version="1.0" encoding="utf-8"?>
-<ds:datastoreItem xmlns:ds="http://schemas.openxmlformats.org/officeDocument/2006/customXml" ds:itemID="{5117FA41-AE03-4A0A-A9B0-817CABD09473}">
-  <ds:schemaRefs>
-    <ds:schemaRef ds:uri="http://schemas.microsoft.com/sharepoint/v3/contenttype/forms"/>
-  </ds:schemaRefs>
-</ds:datastoreItem>
-</file>
-
-<file path=customXml/itemProps3.xml><?xml version="1.0" encoding="utf-8"?>
-<ds:datastoreItem xmlns:ds="http://schemas.openxmlformats.org/officeDocument/2006/customXml" ds:itemID="{A4D542F6-3184-4387-BE39-8DA735EB5504}">
-  <ds:schemaRefs>
-    <ds:schemaRef ds:uri="http://purl.org/dc/elements/1.1/"/>
-    <ds:schemaRef ds:uri="http://schemas.microsoft.com/office/2006/metadata/properties"/>
-    <ds:schemaRef ds:uri="http://purl.org/dc/terms/"/>
-    <ds:schemaRef ds:uri="http://schemas.openxmlformats.org/package/2006/metadata/core-properties"/>
-    <ds:schemaRef ds:uri="http://schemas.microsoft.com/office/2006/documentManagement/types"/>
-    <ds:schemaRef ds:uri="http://schemas.microsoft.com/office/infopath/2007/PartnerControls"/>
-    <ds:schemaRef ds:uri="http://www.w3.org/XML/1998/namespace"/>
-    <ds:schemaRef ds:uri="http://purl.org/dc/dcmitype/"/>
-  </ds:schemaRefs>
-</ds:datastoreItem>
-</file>
-
 <file path=docMetadata/LabelInfo.xml><?xml version="1.0" encoding="utf-8"?>
 <clbl:labelList xmlns:clbl="http://schemas.microsoft.com/office/2020/mipLabelMetadata"/>
 </file>
--- a/ENSF 607 Lab 3.pptx
+++ b/ENSF 607 Lab 3.pptx
@@ -26795,21 +26795,13 @@
         </p:spPr>
         <p:txBody>
           <a:bodyPr anchor="b">
-            <a:normAutofit fontScale="90000"/>
+            <a:normAutofit/>
           </a:bodyPr>
           <a:lstStyle/>
           <a:p>
             <a:r>
               <a:rPr lang="en-CA" altLang="zh-CN" dirty="0"/>
-              <a:t># of tickets by </a:t>
-            </a:r>
-            <a:r>
-              <a:rPr lang="en-CA" altLang="zh-CN" dirty="0" err="1"/>
-              <a:t>Enddate</a:t>
-            </a:r>
-            <a:r>
-              <a:rPr lang="en-CA" altLang="zh-CN" dirty="0"/>
-              <a:t> and Ticket Status</a:t>
+              <a:t>Deployment vs. deployment failed</a:t>
             </a:r>
             <a:endParaRPr lang="en-US" dirty="0"/>
           </a:p>
@@ -28648,21 +28640,6 @@
 </file>
 
 <file path=customXml/item1.xml><?xml version="1.0" encoding="utf-8"?>
-<p:properties xmlns:p="http://schemas.microsoft.com/office/2006/metadata/properties" xmlns:xsi="http://www.w3.org/2001/XMLSchema-instance" xmlns:pc="http://schemas.microsoft.com/office/infopath/2007/PartnerControls">
-  <documentManagement/>
-</p:properties>
-</file>
-
-<file path=customXml/item2.xml><?xml version="1.0" encoding="utf-8"?>
-<?mso-contentType ?>
-<FormTemplates xmlns="http://schemas.microsoft.com/sharepoint/v3/contenttype/forms">
-  <Display>DocumentLibraryForm</Display>
-  <Edit>DocumentLibraryForm</Edit>
-  <New>DocumentLibraryForm</New>
-</FormTemplates>
-</file>
-
-<file path=customXml/item3.xml><?xml version="1.0" encoding="utf-8"?>
 <ct:contentTypeSchema xmlns:ct="http://schemas.microsoft.com/office/2006/metadata/contentType" xmlns:ma="http://schemas.microsoft.com/office/2006/metadata/properties/metaAttributes" ct:_="" ma:_="" ma:contentTypeName="Document" ma:contentTypeID="0x0101006C4D0E3AB8E0A94B8B869426CE67F640" ma:contentTypeVersion="0" ma:contentTypeDescription="Create a new document." ma:contentTypeScope="" ma:versionID="0ad18327fb9541f761622ba83bd559c6">
   <xsd:schema xmlns:xsd="http://www.w3.org/2001/XMLSchema" xmlns:xs="http://www.w3.org/2001/XMLSchema" xmlns:p="http://schemas.microsoft.com/office/2006/metadata/properties" targetNamespace="http://schemas.microsoft.com/office/2006/metadata/properties" ma:root="true" ma:fieldsID="1b8aa52597a410fcdcca458e482775c5">
     <xsd:element name="properties">
@@ -28776,30 +28753,22 @@
 </ct:contentTypeSchema>
 </file>
 
-<file path=customXml/itemProps1.xml><?xml version="1.0" encoding="utf-8"?>
-<ds:datastoreItem xmlns:ds="http://schemas.openxmlformats.org/officeDocument/2006/customXml" ds:itemID="{A4D542F6-3184-4387-BE39-8DA735EB5504}">
-  <ds:schemaRefs>
-    <ds:schemaRef ds:uri="http://purl.org/dc/elements/1.1/"/>
-    <ds:schemaRef ds:uri="http://schemas.microsoft.com/office/2006/metadata/properties"/>
-    <ds:schemaRef ds:uri="http://purl.org/dc/terms/"/>
-    <ds:schemaRef ds:uri="http://schemas.openxmlformats.org/package/2006/metadata/core-properties"/>
-    <ds:schemaRef ds:uri="http://schemas.microsoft.com/office/2006/documentManagement/types"/>
-    <ds:schemaRef ds:uri="http://schemas.microsoft.com/office/infopath/2007/PartnerControls"/>
-    <ds:schemaRef ds:uri="http://www.w3.org/XML/1998/namespace"/>
-    <ds:schemaRef ds:uri="http://purl.org/dc/dcmitype/"/>
-  </ds:schemaRefs>
-</ds:datastoreItem>
+<file path=customXml/item2.xml><?xml version="1.0" encoding="utf-8"?>
+<?mso-contentType ?>
+<FormTemplates xmlns="http://schemas.microsoft.com/sharepoint/v3/contenttype/forms">
+  <Display>DocumentLibraryForm</Display>
+  <Edit>DocumentLibraryForm</Edit>
+  <New>DocumentLibraryForm</New>
+</FormTemplates>
 </file>
 
-<file path=customXml/itemProps2.xml><?xml version="1.0" encoding="utf-8"?>
-<ds:datastoreItem xmlns:ds="http://schemas.openxmlformats.org/officeDocument/2006/customXml" ds:itemID="{5117FA41-AE03-4A0A-A9B0-817CABD09473}">
-  <ds:schemaRefs>
-    <ds:schemaRef ds:uri="http://schemas.microsoft.com/sharepoint/v3/contenttype/forms"/>
-  </ds:schemaRefs>
-</ds:datastoreItem>
+<file path=customXml/item3.xml><?xml version="1.0" encoding="utf-8"?>
+<p:properties xmlns:p="http://schemas.microsoft.com/office/2006/metadata/properties" xmlns:xsi="http://www.w3.org/2001/XMLSchema-instance" xmlns:pc="http://schemas.microsoft.com/office/infopath/2007/PartnerControls">
+  <documentManagement/>
+</p:properties>
 </file>
 
-<file path=customXml/itemProps3.xml><?xml version="1.0" encoding="utf-8"?>
+<file path=customXml/itemProps1.xml><?xml version="1.0" encoding="utf-8"?>
 <ds:datastoreItem xmlns:ds="http://schemas.openxmlformats.org/officeDocument/2006/customXml" ds:itemID="{7E154C0A-F9A1-4DA1-9F04-FD1A59E16143}">
   <ds:schemaRefs>
     <ds:schemaRef ds:uri="http://schemas.microsoft.com/office/2006/metadata/contentType"/>
@@ -28815,6 +28784,29 @@
 </ds:datastoreItem>
 </file>
 
+<file path=customXml/itemProps2.xml><?xml version="1.0" encoding="utf-8"?>
+<ds:datastoreItem xmlns:ds="http://schemas.openxmlformats.org/officeDocument/2006/customXml" ds:itemID="{5117FA41-AE03-4A0A-A9B0-817CABD09473}">
+  <ds:schemaRefs>
+    <ds:schemaRef ds:uri="http://schemas.microsoft.com/sharepoint/v3/contenttype/forms"/>
+  </ds:schemaRefs>
+</ds:datastoreItem>
+</file>
+
+<file path=customXml/itemProps3.xml><?xml version="1.0" encoding="utf-8"?>
+<ds:datastoreItem xmlns:ds="http://schemas.openxmlformats.org/officeDocument/2006/customXml" ds:itemID="{A4D542F6-3184-4387-BE39-8DA735EB5504}">
+  <ds:schemaRefs>
+    <ds:schemaRef ds:uri="http://purl.org/dc/elements/1.1/"/>
+    <ds:schemaRef ds:uri="http://schemas.microsoft.com/office/2006/metadata/properties"/>
+    <ds:schemaRef ds:uri="http://purl.org/dc/terms/"/>
+    <ds:schemaRef ds:uri="http://schemas.openxmlformats.org/package/2006/metadata/core-properties"/>
+    <ds:schemaRef ds:uri="http://schemas.microsoft.com/office/2006/documentManagement/types"/>
+    <ds:schemaRef ds:uri="http://schemas.microsoft.com/office/infopath/2007/PartnerControls"/>
+    <ds:schemaRef ds:uri="http://www.w3.org/XML/1998/namespace"/>
+    <ds:schemaRef ds:uri="http://purl.org/dc/dcmitype/"/>
+  </ds:schemaRefs>
+</ds:datastoreItem>
+</file>
+
 <file path=docMetadata/LabelInfo.xml><?xml version="1.0" encoding="utf-8"?>
 <clbl:labelList xmlns:clbl="http://schemas.microsoft.com/office/2020/mipLabelMetadata"/>
 </file>
--- a/ENSF 607 Lab 3.pptx
+++ b/ENSF 607 Lab 3.pptx
@@ -358,7 +358,7 @@
           <a:p>
             <a:fld id="{D9D42D35-0463-4920-BEF7-2B88080E67A2}" type="datetimeFigureOut">
               <a:rPr lang="en-US" smtClean="0"/>
-              <a:t>10/19/2023</a:t>
+              <a:t>10/20/2023</a:t>
             </a:fld>
             <a:endParaRPr lang="en-US"/>
           </a:p>
@@ -26454,7 +26454,7 @@
           <a:p>
             <a:r>
               <a:rPr lang="en-US" dirty="0"/>
-              <a:t>ENSF 607 Lab 4</a:t>
+              <a:t>ENSF 607 Lab 3</a:t>
             </a:r>
           </a:p>
         </p:txBody>
@@ -28640,6 +28640,21 @@
 </file>
 
 <file path=customXml/item1.xml><?xml version="1.0" encoding="utf-8"?>
+<p:properties xmlns:p="http://schemas.microsoft.com/office/2006/metadata/properties" xmlns:xsi="http://www.w3.org/2001/XMLSchema-instance" xmlns:pc="http://schemas.microsoft.com/office/infopath/2007/PartnerControls">
+  <documentManagement/>
+</p:properties>
+</file>
+
+<file path=customXml/item2.xml><?xml version="1.0" encoding="utf-8"?>
+<?mso-contentType ?>
+<FormTemplates xmlns="http://schemas.microsoft.com/sharepoint/v3/contenttype/forms">
+  <Display>DocumentLibraryForm</Display>
+  <Edit>DocumentLibraryForm</Edit>
+  <New>DocumentLibraryForm</New>
+</FormTemplates>
+</file>
+
+<file path=customXml/item3.xml><?xml version="1.0" encoding="utf-8"?>
 <ct:contentTypeSchema xmlns:ct="http://schemas.microsoft.com/office/2006/metadata/contentType" xmlns:ma="http://schemas.microsoft.com/office/2006/metadata/properties/metaAttributes" ct:_="" ma:_="" ma:contentTypeName="Document" ma:contentTypeID="0x0101006C4D0E3AB8E0A94B8B869426CE67F640" ma:contentTypeVersion="0" ma:contentTypeDescription="Create a new document." ma:contentTypeScope="" ma:versionID="0ad18327fb9541f761622ba83bd559c6">
   <xsd:schema xmlns:xsd="http://www.w3.org/2001/XMLSchema" xmlns:xs="http://www.w3.org/2001/XMLSchema" xmlns:p="http://schemas.microsoft.com/office/2006/metadata/properties" targetNamespace="http://schemas.microsoft.com/office/2006/metadata/properties" ma:root="true" ma:fieldsID="1b8aa52597a410fcdcca458e482775c5">
     <xsd:element name="properties">
@@ -28753,22 +28768,30 @@
 </ct:contentTypeSchema>
 </file>
 
-<file path=customXml/item2.xml><?xml version="1.0" encoding="utf-8"?>
-<?mso-contentType ?>
-<FormTemplates xmlns="http://schemas.microsoft.com/sharepoint/v3/contenttype/forms">
-  <Display>DocumentLibraryForm</Display>
-  <Edit>DocumentLibraryForm</Edit>
-  <New>DocumentLibraryForm</New>
-</FormTemplates>
+<file path=customXml/itemProps1.xml><?xml version="1.0" encoding="utf-8"?>
+<ds:datastoreItem xmlns:ds="http://schemas.openxmlformats.org/officeDocument/2006/customXml" ds:itemID="{A4D542F6-3184-4387-BE39-8DA735EB5504}">
+  <ds:schemaRefs>
+    <ds:schemaRef ds:uri="http://purl.org/dc/elements/1.1/"/>
+    <ds:schemaRef ds:uri="http://schemas.microsoft.com/office/2006/metadata/properties"/>
+    <ds:schemaRef ds:uri="http://purl.org/dc/terms/"/>
+    <ds:schemaRef ds:uri="http://schemas.openxmlformats.org/package/2006/metadata/core-properties"/>
+    <ds:schemaRef ds:uri="http://schemas.microsoft.com/office/2006/documentManagement/types"/>
+    <ds:schemaRef ds:uri="http://schemas.microsoft.com/office/infopath/2007/PartnerControls"/>
+    <ds:schemaRef ds:uri="http://www.w3.org/XML/1998/namespace"/>
+    <ds:schemaRef ds:uri="http://purl.org/dc/dcmitype/"/>
+  </ds:schemaRefs>
+</ds:datastoreItem>
 </file>
 
-<file path=customXml/item3.xml><?xml version="1.0" encoding="utf-8"?>
-<p:properties xmlns:p="http://schemas.microsoft.com/office/2006/metadata/properties" xmlns:xsi="http://www.w3.org/2001/XMLSchema-instance" xmlns:pc="http://schemas.microsoft.com/office/infopath/2007/PartnerControls">
-  <documentManagement/>
-</p:properties>
+<file path=customXml/itemProps2.xml><?xml version="1.0" encoding="utf-8"?>
+<ds:datastoreItem xmlns:ds="http://schemas.openxmlformats.org/officeDocument/2006/customXml" ds:itemID="{5117FA41-AE03-4A0A-A9B0-817CABD09473}">
+  <ds:schemaRefs>
+    <ds:schemaRef ds:uri="http://schemas.microsoft.com/sharepoint/v3/contenttype/forms"/>
+  </ds:schemaRefs>
+</ds:datastoreItem>
 </file>
 
-<file path=customXml/itemProps1.xml><?xml version="1.0" encoding="utf-8"?>
+<file path=customXml/itemProps3.xml><?xml version="1.0" encoding="utf-8"?>
 <ds:datastoreItem xmlns:ds="http://schemas.openxmlformats.org/officeDocument/2006/customXml" ds:itemID="{7E154C0A-F9A1-4DA1-9F04-FD1A59E16143}">
   <ds:schemaRefs>
     <ds:schemaRef ds:uri="http://schemas.microsoft.com/office/2006/metadata/contentType"/>
@@ -28784,29 +28807,6 @@
 </ds:datastoreItem>
 </file>
 
-<file path=customXml/itemProps2.xml><?xml version="1.0" encoding="utf-8"?>
-<ds:datastoreItem xmlns:ds="http://schemas.openxmlformats.org/officeDocument/2006/customXml" ds:itemID="{5117FA41-AE03-4A0A-A9B0-817CABD09473}">
-  <ds:schemaRefs>
-    <ds:schemaRef ds:uri="http://schemas.microsoft.com/sharepoint/v3/contenttype/forms"/>
-  </ds:schemaRefs>
-</ds:datastoreItem>
-</file>
-
-<file path=customXml/itemProps3.xml><?xml version="1.0" encoding="utf-8"?>
-<ds:datastoreItem xmlns:ds="http://schemas.openxmlformats.org/officeDocument/2006/customXml" ds:itemID="{A4D542F6-3184-4387-BE39-8DA735EB5504}">
-  <ds:schemaRefs>
-    <ds:schemaRef ds:uri="http://purl.org/dc/elements/1.1/"/>
-    <ds:schemaRef ds:uri="http://schemas.microsoft.com/office/2006/metadata/properties"/>
-    <ds:schemaRef ds:uri="http://purl.org/dc/terms/"/>
-    <ds:schemaRef ds:uri="http://schemas.openxmlformats.org/package/2006/metadata/core-properties"/>
-    <ds:schemaRef ds:uri="http://schemas.microsoft.com/office/2006/documentManagement/types"/>
-    <ds:schemaRef ds:uri="http://schemas.microsoft.com/office/infopath/2007/PartnerControls"/>
-    <ds:schemaRef ds:uri="http://www.w3.org/XML/1998/namespace"/>
-    <ds:schemaRef ds:uri="http://purl.org/dc/dcmitype/"/>
-  </ds:schemaRefs>
-</ds:datastoreItem>
-</file>
-
 <file path=docMetadata/LabelInfo.xml><?xml version="1.0" encoding="utf-8"?>
 <clbl:labelList xmlns:clbl="http://schemas.microsoft.com/office/2020/mipLabelMetadata"/>
 </file>
--- a/ENSF 607 Lab 3.pptx
+++ b/ENSF 607 Lab 3.pptx
@@ -5,19 +5,20 @@
     <p:sldMasterId id="2147483650" r:id="rId4"/>
   </p:sldMasterIdLst>
   <p:notesMasterIdLst>
-    <p:notesMasterId r:id="rId12"/>
+    <p:notesMasterId r:id="rId13"/>
   </p:notesMasterIdLst>
   <p:handoutMasterIdLst>
-    <p:handoutMasterId r:id="rId13"/>
+    <p:handoutMasterId r:id="rId14"/>
   </p:handoutMasterIdLst>
   <p:sldIdLst>
     <p:sldId id="278" r:id="rId5"/>
-    <p:sldId id="284" r:id="rId6"/>
-    <p:sldId id="285" r:id="rId7"/>
-    <p:sldId id="286" r:id="rId8"/>
-    <p:sldId id="287" r:id="rId9"/>
-    <p:sldId id="288" r:id="rId10"/>
-    <p:sldId id="289" r:id="rId11"/>
+    <p:sldId id="291" r:id="rId6"/>
+    <p:sldId id="284" r:id="rId7"/>
+    <p:sldId id="285" r:id="rId8"/>
+    <p:sldId id="286" r:id="rId9"/>
+    <p:sldId id="287" r:id="rId10"/>
+    <p:sldId id="288" r:id="rId11"/>
+    <p:sldId id="289" r:id="rId12"/>
   </p:sldIdLst>
   <p:sldSz cx="12192000" cy="6858000"/>
   <p:notesSz cx="13716000" cy="24384000"/>
@@ -358,7 +359,7 @@
           <a:p>
             <a:fld id="{D9D42D35-0463-4920-BEF7-2B88080E67A2}" type="datetimeFigureOut">
               <a:rPr lang="en-US" smtClean="0"/>
-              <a:t>10/19/2023</a:t>
+              <a:t>10/20/2023</a:t>
             </a:fld>
             <a:endParaRPr lang="en-US"/>
           </a:p>
@@ -26552,7 +26553,7 @@
           <p:cNvPr id="2" name="Title 1">
             <a:extLst>
               <a:ext uri="{FF2B5EF4-FFF2-40B4-BE49-F238E27FC236}">
-                <a16:creationId xmlns:a16="http://schemas.microsoft.com/office/drawing/2014/main" id="{884B311B-3177-0658-3585-6639F26A9BF6}"/>
+                <a16:creationId xmlns:a16="http://schemas.microsoft.com/office/drawing/2014/main" id="{DC6EF40D-0F5D-3CDC-5512-EAB4E552DA8E}"/>
               </a:ext>
             </a:extLst>
           </p:cNvPr>
@@ -26563,32 +26564,24 @@
             <p:ph type="title"/>
           </p:nvPr>
         </p:nvSpPr>
-        <p:spPr>
-          <a:xfrm>
-            <a:off x="931076" y="607136"/>
-            <a:ext cx="10329847" cy="601862"/>
-          </a:xfrm>
-        </p:spPr>
+        <p:spPr/>
         <p:txBody>
-          <a:bodyPr anchor="b">
-            <a:normAutofit/>
-          </a:bodyPr>
+          <a:bodyPr/>
           <a:lstStyle/>
           <a:p>
             <a:r>
-              <a:rPr lang="en-CA" altLang="zh-CN" dirty="0"/>
-              <a:t># of tickets by duration and class</a:t>
+              <a:rPr lang="en-CA" dirty="0"/>
+              <a:t>Input Variables</a:t>
             </a:r>
-            <a:endParaRPr lang="en-US" dirty="0"/>
           </a:p>
         </p:txBody>
       </p:sp>
       <p:sp>
         <p:nvSpPr>
-          <p:cNvPr id="8" name="Slide Number Placeholder 7">
+          <p:cNvPr id="4" name="Slide Number Placeholder 3">
             <a:extLst>
               <a:ext uri="{FF2B5EF4-FFF2-40B4-BE49-F238E27FC236}">
-                <a16:creationId xmlns:a16="http://schemas.microsoft.com/office/drawing/2014/main" id="{AECF22D2-2B16-C40D-AA90-609B5CD08B3D}"/>
+                <a16:creationId xmlns:a16="http://schemas.microsoft.com/office/drawing/2014/main" id="{50D19200-68F0-CE93-9947-D1104CD201EA}"/>
               </a:ext>
             </a:extLst>
           </p:cNvPr>
@@ -26599,48 +26592,26 @@
             <p:ph type="sldNum" sz="quarter" idx="12"/>
           </p:nvPr>
         </p:nvSpPr>
-        <p:spPr>
-          <a:xfrm>
-            <a:off x="10438475" y="457199"/>
-            <a:ext cx="987552" cy="244503"/>
-          </a:xfrm>
-        </p:spPr>
+        <p:spPr/>
         <p:txBody>
-          <a:bodyPr anchor="ctr">
-            <a:normAutofit/>
-          </a:bodyPr>
+          <a:bodyPr/>
           <a:lstStyle/>
           <a:p>
-            <a:pPr>
-              <a:lnSpc>
-                <a:spcPct val="90000"/>
-              </a:lnSpc>
-              <a:spcAft>
-                <a:spcPts val="600"/>
-              </a:spcAft>
-            </a:pPr>
             <a:fld id="{48F63A3B-78C7-47BE-AE5E-E10140E04643}" type="slidenum">
-              <a:rPr lang="en-US" sz="1100" smtClean="0"/>
-              <a:pPr>
-                <a:lnSpc>
-                  <a:spcPct val="90000"/>
-                </a:lnSpc>
-                <a:spcAft>
-                  <a:spcPts val="600"/>
-                </a:spcAft>
-              </a:pPr>
+              <a:rPr lang="en-US" smtClean="0"/>
+              <a:pPr/>
               <a:t>2</a:t>
             </a:fld>
-            <a:endParaRPr lang="en-US" sz="1100"/>
+            <a:endParaRPr lang="en-US" dirty="0"/>
           </a:p>
         </p:txBody>
       </p:sp>
       <p:sp>
         <p:nvSpPr>
-          <p:cNvPr id="20" name="Text Placeholder 4">
+          <p:cNvPr id="5" name="Content Placeholder 4">
             <a:extLst>
               <a:ext uri="{FF2B5EF4-FFF2-40B4-BE49-F238E27FC236}">
-                <a16:creationId xmlns:a16="http://schemas.microsoft.com/office/drawing/2014/main" id="{C0A26C19-D317-0E30-D6F3-741599EA07EB}"/>
+                <a16:creationId xmlns:a16="http://schemas.microsoft.com/office/drawing/2014/main" id="{DFB2A165-4A6A-B26D-438B-954EF77BCF6F}"/>
               </a:ext>
             </a:extLst>
           </p:cNvPr>
@@ -26648,103 +26619,76 @@
             <a:spLocks noGrp="1"/>
           </p:cNvSpPr>
           <p:nvPr>
-            <p:ph type="body" sz="half" idx="2"/>
+            <p:ph sz="half" idx="1"/>
           </p:nvPr>
         </p:nvSpPr>
-        <p:spPr>
-          <a:xfrm>
-            <a:off x="831489" y="1553259"/>
-            <a:ext cx="3932237" cy="3961419"/>
-          </a:xfrm>
-        </p:spPr>
+        <p:spPr/>
         <p:txBody>
-          <a:bodyPr/>
+          <a:bodyPr>
+            <a:normAutofit/>
+          </a:bodyPr>
           <a:lstStyle/>
           <a:p>
-            <a:pPr marL="285750" indent="-285750">
-              <a:buFont typeface="Arial" panose="020B0604020202020204" pitchFamily="34" charset="0"/>
-              <a:buChar char="•"/>
+            <a:pPr>
+              <a:lnSpc>
+                <a:spcPct val="210000"/>
+              </a:lnSpc>
             </a:pPr>
             <a:r>
-              <a:rPr lang="en-US" dirty="0"/>
-              <a:t>X-axis : Duration</a:t>
+              <a:rPr lang="en-CA" sz="2400" dirty="0"/>
+              <a:t>Number of Tickets: 1000</a:t>
             </a:r>
           </a:p>
           <a:p>
-            <a:pPr marL="285750" indent="-285750">
-              <a:buFont typeface="Arial" panose="020B0604020202020204" pitchFamily="34" charset="0"/>
-              <a:buChar char="•"/>
+            <a:pPr>
+              <a:lnSpc>
+                <a:spcPct val="210000"/>
+              </a:lnSpc>
             </a:pPr>
             <a:r>
-              <a:rPr lang="en-US" dirty="0"/>
-              <a:t>Y-Axis : Tickets</a:t>
+              <a:rPr lang="en-CA" sz="2400" dirty="0"/>
+              <a:t>Start date: 2023-01-01</a:t>
             </a:r>
           </a:p>
           <a:p>
-            <a:pPr marL="285750" indent="-285750">
-              <a:buFont typeface="Arial" panose="020B0604020202020204" pitchFamily="34" charset="0"/>
-              <a:buChar char="•"/>
+            <a:pPr>
+              <a:lnSpc>
+                <a:spcPct val="210000"/>
+              </a:lnSpc>
             </a:pPr>
             <a:r>
-              <a:rPr lang="en-US" dirty="0"/>
-              <a:t>Lines designate class</a:t>
+              <a:rPr lang="en-CA" sz="2400" dirty="0"/>
+              <a:t>End date: 2023-06-30</a:t>
             </a:r>
           </a:p>
           <a:p>
-            <a:pPr marL="285750" indent="-285750">
-              <a:buFont typeface="Arial" panose="020B0604020202020204" pitchFamily="34" charset="0"/>
-              <a:buChar char="•"/>
+            <a:pPr>
+              <a:lnSpc>
+                <a:spcPct val="210000"/>
+              </a:lnSpc>
             </a:pPr>
             <a:r>
-              <a:rPr lang="en-US" dirty="0"/>
-              <a:t>Key takeaway:</a:t>
+              <a:rPr lang="en-CA" sz="2400" dirty="0"/>
+              <a:t>Duration: 6 months</a:t>
             </a:r>
           </a:p>
           <a:p>
-            <a:pPr marL="742950" lvl="1" indent="-285750">
-              <a:buFont typeface="Arial" panose="020B0604020202020204" pitchFamily="34" charset="0"/>
-              <a:buChar char="•"/>
+            <a:pPr>
+              <a:lnSpc>
+                <a:spcPct val="210000"/>
+              </a:lnSpc>
             </a:pPr>
             <a:r>
-              <a:rPr lang="en-US" dirty="0"/>
-              <a:t>Tickets of class Change and Incident have the greatest number of tickets and take the most time to solve </a:t>
+              <a:rPr lang="en-CA" sz="2400" dirty="0"/>
+              <a:t>Power BI was used to generate the following graphs/dashboard</a:t>
             </a:r>
           </a:p>
         </p:txBody>
       </p:sp>
-      <p:pic>
-        <p:nvPicPr>
-          <p:cNvPr id="6" name="Content Placeholder 5">
-            <a:extLst>
-              <a:ext uri="{FF2B5EF4-FFF2-40B4-BE49-F238E27FC236}">
-                <a16:creationId xmlns:a16="http://schemas.microsoft.com/office/drawing/2014/main" id="{1C649E18-93F7-D558-5087-EB9EA6715850}"/>
-              </a:ext>
-            </a:extLst>
-          </p:cNvPr>
-          <p:cNvPicPr>
-            <a:picLocks noGrp="1" noChangeAspect="1"/>
-          </p:cNvPicPr>
-          <p:nvPr>
-            <p:ph idx="1"/>
-          </p:nvPr>
-        </p:nvPicPr>
-        <p:blipFill>
-          <a:blip r:embed="rId2"/>
-          <a:stretch>
-            <a:fillRect/>
-          </a:stretch>
-        </p:blipFill>
-        <p:spPr>
-          <a:xfrm>
-            <a:off x="5183188" y="1544865"/>
-            <a:ext cx="6242050" cy="3512683"/>
-          </a:xfrm>
-        </p:spPr>
-      </p:pic>
     </p:spTree>
     <p:extLst>
       <p:ext uri="{BB962C8B-B14F-4D97-AF65-F5344CB8AC3E}">
-        <p14:creationId xmlns:p14="http://schemas.microsoft.com/office/powerpoint/2010/main" val="2886474736"/>
+        <p14:creationId xmlns:p14="http://schemas.microsoft.com/office/powerpoint/2010/main" val="1713965044"/>
       </p:ext>
     </p:extLst>
   </p:cSld>
@@ -26801,7 +26745,7 @@
           <a:p>
             <a:r>
               <a:rPr lang="en-CA" altLang="zh-CN" dirty="0"/>
-              <a:t>Deployment vs. deployment failed</a:t>
+              <a:t># of tickets by duration and class</a:t>
             </a:r>
             <a:endParaRPr lang="en-US" dirty="0"/>
           </a:p>
@@ -26891,7 +26835,7 @@
             </a:pPr>
             <a:r>
               <a:rPr lang="en-US" dirty="0"/>
-              <a:t>X-Axis : End date by month</a:t>
+              <a:t>X-axis : Duration</a:t>
             </a:r>
           </a:p>
           <a:p>
@@ -26901,7 +26845,17 @@
             </a:pPr>
             <a:r>
               <a:rPr lang="en-US" dirty="0"/>
-              <a:t>Y-Axis : Number of tickets, that were deployed or deployed failed</a:t>
+              <a:t>Y-Axis : Tickets</a:t>
+            </a:r>
+          </a:p>
+          <a:p>
+            <a:pPr marL="285750" indent="-285750">
+              <a:buFont typeface="Arial" panose="020B0604020202020204" pitchFamily="34" charset="0"/>
+              <a:buChar char="•"/>
+            </a:pPr>
+            <a:r>
+              <a:rPr lang="en-US" dirty="0"/>
+              <a:t>Lines designate class</a:t>
             </a:r>
           </a:p>
           <a:p>
@@ -26921,17 +26875,7 @@
             </a:pPr>
             <a:r>
               <a:rPr lang="en-US" dirty="0"/>
-              <a:t>A greater number of tickets deployed failed than deployed successfully </a:t>
-            </a:r>
-          </a:p>
-          <a:p>
-            <a:pPr marL="742950" lvl="1" indent="-285750">
-              <a:buFont typeface="Arial" panose="020B0604020202020204" pitchFamily="34" charset="0"/>
-              <a:buChar char="•"/>
-            </a:pPr>
-            <a:r>
-              <a:rPr lang="en-US" dirty="0"/>
-              <a:t>The month of march saw the greatest discrepancy between failed deployments and successfully deployments</a:t>
+              <a:t>Tickets of class Change and Incident have the greatest number of tickets and take the most time to solve </a:t>
             </a:r>
           </a:p>
         </p:txBody>
@@ -26941,7 +26885,7 @@
           <p:cNvPr id="6" name="Content Placeholder 5">
             <a:extLst>
               <a:ext uri="{FF2B5EF4-FFF2-40B4-BE49-F238E27FC236}">
-                <a16:creationId xmlns:a16="http://schemas.microsoft.com/office/drawing/2014/main" id="{940B055B-49CB-1BCB-6026-A6AB303840B1}"/>
+                <a16:creationId xmlns:a16="http://schemas.microsoft.com/office/drawing/2014/main" id="{1C649E18-93F7-D558-5087-EB9EA6715850}"/>
               </a:ext>
             </a:extLst>
           </p:cNvPr>
@@ -26960,15 +26904,15 @@
         </p:blipFill>
         <p:spPr>
           <a:xfrm>
-            <a:off x="5183188" y="1550894"/>
-            <a:ext cx="6242050" cy="3500625"/>
+            <a:off x="5183188" y="1544865"/>
+            <a:ext cx="6242050" cy="3512683"/>
           </a:xfrm>
         </p:spPr>
       </p:pic>
     </p:spTree>
     <p:extLst>
       <p:ext uri="{BB962C8B-B14F-4D97-AF65-F5344CB8AC3E}">
-        <p14:creationId xmlns:p14="http://schemas.microsoft.com/office/powerpoint/2010/main" val="3825320668"/>
+        <p14:creationId xmlns:p14="http://schemas.microsoft.com/office/powerpoint/2010/main" val="2886474736"/>
       </p:ext>
     </p:extLst>
   </p:cSld>
@@ -27025,11 +26969,7 @@
           <a:p>
             <a:r>
               <a:rPr lang="en-CA" altLang="zh-CN" dirty="0"/>
-              <a:t>MTTR by </a:t>
-            </a:r>
-            <a:r>
-              <a:rPr lang="en-CA" altLang="zh-CN" dirty="0" err="1"/>
-              <a:t>EndDate</a:t>
+              <a:t>Deployment vs. deployment failed</a:t>
             </a:r>
             <a:endParaRPr lang="en-US" dirty="0"/>
           </a:p>
@@ -27119,7 +27059,7 @@
             </a:pPr>
             <a:r>
               <a:rPr lang="en-US" dirty="0"/>
-              <a:t>X-Axis : Time</a:t>
+              <a:t>X-Axis : End date by month</a:t>
             </a:r>
           </a:p>
           <a:p>
@@ -27129,7 +27069,7 @@
             </a:pPr>
             <a:r>
               <a:rPr lang="en-US" dirty="0"/>
-              <a:t>Y-Axis : MTTR, separated by class</a:t>
+              <a:t>Y-Axis : Number of tickets, that were deployed or deployed failed</a:t>
             </a:r>
           </a:p>
           <a:p>
@@ -27149,7 +27089,7 @@
             </a:pPr>
             <a:r>
               <a:rPr lang="en-US" dirty="0"/>
-              <a:t>MTTR increases as we reduce the number of tickets, that is why we see a spike towards the end. </a:t>
+              <a:t>A greater number of tickets deployed failed than deployed successfully </a:t>
             </a:r>
           </a:p>
           <a:p>
@@ -27157,7 +27097,10 @@
               <a:buFont typeface="Arial" panose="020B0604020202020204" pitchFamily="34" charset="0"/>
               <a:buChar char="•"/>
             </a:pPr>
-            <a:endParaRPr lang="en-US" dirty="0"/>
+            <a:r>
+              <a:rPr lang="en-US" dirty="0"/>
+              <a:t>The month of march saw the greatest discrepancy between failed deployments and successfully deployments</a:t>
+            </a:r>
           </a:p>
         </p:txBody>
       </p:sp>
@@ -27166,7 +27109,7 @@
           <p:cNvPr id="6" name="Content Placeholder 5">
             <a:extLst>
               <a:ext uri="{FF2B5EF4-FFF2-40B4-BE49-F238E27FC236}">
-                <a16:creationId xmlns:a16="http://schemas.microsoft.com/office/drawing/2014/main" id="{84D9CCCE-5103-5875-E5D8-F4F667F0A536}"/>
+                <a16:creationId xmlns:a16="http://schemas.microsoft.com/office/drawing/2014/main" id="{940B055B-49CB-1BCB-6026-A6AB303840B1}"/>
               </a:ext>
             </a:extLst>
           </p:cNvPr>
@@ -27185,15 +27128,15 @@
         </p:blipFill>
         <p:spPr>
           <a:xfrm>
-            <a:off x="5183188" y="1550745"/>
-            <a:ext cx="6242050" cy="3500922"/>
+            <a:off x="5183188" y="1550894"/>
+            <a:ext cx="6242050" cy="3500625"/>
           </a:xfrm>
         </p:spPr>
       </p:pic>
     </p:spTree>
     <p:extLst>
       <p:ext uri="{BB962C8B-B14F-4D97-AF65-F5344CB8AC3E}">
-        <p14:creationId xmlns:p14="http://schemas.microsoft.com/office/powerpoint/2010/main" val="3327354505"/>
+        <p14:creationId xmlns:p14="http://schemas.microsoft.com/office/powerpoint/2010/main" val="3825320668"/>
       </p:ext>
     </p:extLst>
   </p:cSld>
@@ -27250,7 +27193,11 @@
           <a:p>
             <a:r>
               <a:rPr lang="en-CA" altLang="zh-CN" dirty="0"/>
-              <a:t>Pie chart</a:t>
+              <a:t>MTTR by </a:t>
+            </a:r>
+            <a:r>
+              <a:rPr lang="en-CA" altLang="zh-CN" dirty="0" err="1"/>
+              <a:t>EndDate</a:t>
             </a:r>
             <a:endParaRPr lang="en-US" dirty="0"/>
           </a:p>
@@ -27340,7 +27287,7 @@
             </a:pPr>
             <a:r>
               <a:rPr lang="en-US" dirty="0"/>
-              <a:t>This pie chart depicts the numbers of tickets and what priority they were given.</a:t>
+              <a:t>X-Axis : Time</a:t>
             </a:r>
           </a:p>
           <a:p>
@@ -27350,7 +27297,7 @@
             </a:pPr>
             <a:r>
               <a:rPr lang="en-US" dirty="0"/>
-              <a:t>We can see most tickets were priority level 3 and priority level 1 has the least number of tickets </a:t>
+              <a:t>Y-Axis : MTTR, separated by class</a:t>
             </a:r>
           </a:p>
           <a:p>
@@ -27360,8 +27307,25 @@
             </a:pPr>
             <a:r>
               <a:rPr lang="en-US" dirty="0"/>
-              <a:t>Over 70% of tickets generated had medium priority levels (2-4)</a:t>
+              <a:t>Key takeaway:</a:t>
             </a:r>
+          </a:p>
+          <a:p>
+            <a:pPr marL="742950" lvl="1" indent="-285750">
+              <a:buFont typeface="Arial" panose="020B0604020202020204" pitchFamily="34" charset="0"/>
+              <a:buChar char="•"/>
+            </a:pPr>
+            <a:r>
+              <a:rPr lang="en-US" dirty="0"/>
+              <a:t>MTTR increases as we reduce the number of tickets, that is why we see a spike towards the end. </a:t>
+            </a:r>
+          </a:p>
+          <a:p>
+            <a:pPr marL="742950" lvl="1" indent="-285750">
+              <a:buFont typeface="Arial" panose="020B0604020202020204" pitchFamily="34" charset="0"/>
+              <a:buChar char="•"/>
+            </a:pPr>
+            <a:endParaRPr lang="en-US" dirty="0"/>
           </a:p>
         </p:txBody>
       </p:sp>
@@ -27370,7 +27334,7 @@
           <p:cNvPr id="6" name="Content Placeholder 5">
             <a:extLst>
               <a:ext uri="{FF2B5EF4-FFF2-40B4-BE49-F238E27FC236}">
-                <a16:creationId xmlns:a16="http://schemas.microsoft.com/office/drawing/2014/main" id="{B4350915-A683-3250-3EC0-FD7E3394BF10}"/>
+                <a16:creationId xmlns:a16="http://schemas.microsoft.com/office/drawing/2014/main" id="{84D9CCCE-5103-5875-E5D8-F4F667F0A536}"/>
               </a:ext>
             </a:extLst>
           </p:cNvPr>
@@ -27389,15 +27353,15 @@
         </p:blipFill>
         <p:spPr>
           <a:xfrm>
-            <a:off x="5183188" y="1550358"/>
-            <a:ext cx="6242050" cy="3501697"/>
+            <a:off x="5183188" y="1550745"/>
+            <a:ext cx="6242050" cy="3500922"/>
           </a:xfrm>
         </p:spPr>
       </p:pic>
     </p:spTree>
     <p:extLst>
       <p:ext uri="{BB962C8B-B14F-4D97-AF65-F5344CB8AC3E}">
-        <p14:creationId xmlns:p14="http://schemas.microsoft.com/office/powerpoint/2010/main" val="2738512632"/>
+        <p14:creationId xmlns:p14="http://schemas.microsoft.com/office/powerpoint/2010/main" val="3327354505"/>
       </p:ext>
     </p:extLst>
   </p:cSld>
@@ -27454,7 +27418,7 @@
           <a:p>
             <a:r>
               <a:rPr lang="en-CA" altLang="zh-CN" dirty="0"/>
-              <a:t>Bar Chart </a:t>
+              <a:t>Pie chart</a:t>
             </a:r>
             <a:endParaRPr lang="en-US" dirty="0"/>
           </a:p>
@@ -27544,7 +27508,7 @@
             </a:pPr>
             <a:r>
               <a:rPr lang="en-US" dirty="0"/>
-              <a:t>X-Axis : Class</a:t>
+              <a:t>This pie chart depicts the numbers of tickets and what priority they were given.</a:t>
             </a:r>
           </a:p>
           <a:p>
@@ -27554,7 +27518,7 @@
             </a:pPr>
             <a:r>
               <a:rPr lang="en-US" dirty="0"/>
-              <a:t>Y-Axis : Priority % of tickets </a:t>
+              <a:t>We can see most tickets were priority level 3 and priority level 1 has the least number of tickets </a:t>
             </a:r>
           </a:p>
           <a:p>
@@ -27564,30 +27528,17 @@
             </a:pPr>
             <a:r>
               <a:rPr lang="en-US" dirty="0"/>
-              <a:t>From this dashboard we can see that the classes has a mostly even split of priorities per class.</a:t>
+              <a:t>Over 70% of tickets generated had medium priority levels (2-4)</a:t>
             </a:r>
-          </a:p>
-          <a:p>
-            <a:pPr marL="285750" indent="-285750">
-              <a:buFont typeface="Arial" panose="020B0604020202020204" pitchFamily="34" charset="0"/>
-              <a:buChar char="•"/>
-            </a:pPr>
-            <a:r>
-              <a:rPr lang="en-US" dirty="0"/>
-              <a:t>Most tickets generated were priority level three</a:t>
-            </a:r>
-          </a:p>
-          <a:p>
-            <a:endParaRPr lang="en-US" dirty="0"/>
           </a:p>
         </p:txBody>
       </p:sp>
       <p:pic>
         <p:nvPicPr>
-          <p:cNvPr id="7" name="Content Placeholder 6">
+          <p:cNvPr id="6" name="Content Placeholder 5">
             <a:extLst>
               <a:ext uri="{FF2B5EF4-FFF2-40B4-BE49-F238E27FC236}">
-                <a16:creationId xmlns:a16="http://schemas.microsoft.com/office/drawing/2014/main" id="{A6045234-9C14-FCAA-51F4-E66620CEF17A}"/>
+                <a16:creationId xmlns:a16="http://schemas.microsoft.com/office/drawing/2014/main" id="{B4350915-A683-3250-3EC0-FD7E3394BF10}"/>
               </a:ext>
             </a:extLst>
           </p:cNvPr>
@@ -27606,15 +27557,15 @@
         </p:blipFill>
         <p:spPr>
           <a:xfrm>
-            <a:off x="5183188" y="1542350"/>
-            <a:ext cx="6242050" cy="3517713"/>
+            <a:off x="5183188" y="1550358"/>
+            <a:ext cx="6242050" cy="3501697"/>
           </a:xfrm>
         </p:spPr>
       </p:pic>
     </p:spTree>
     <p:extLst>
       <p:ext uri="{BB962C8B-B14F-4D97-AF65-F5344CB8AC3E}">
-        <p14:creationId xmlns:p14="http://schemas.microsoft.com/office/powerpoint/2010/main" val="4144055160"/>
+        <p14:creationId xmlns:p14="http://schemas.microsoft.com/office/powerpoint/2010/main" val="2738512632"/>
       </p:ext>
     </p:extLst>
   </p:cSld>
@@ -27665,13 +27616,13 @@
         </p:spPr>
         <p:txBody>
           <a:bodyPr anchor="b">
-            <a:normAutofit fontScale="90000"/>
+            <a:normAutofit/>
           </a:bodyPr>
           <a:lstStyle/>
           <a:p>
             <a:r>
               <a:rPr lang="en-CA" altLang="zh-CN" dirty="0"/>
-              <a:t>Total number of tickets by month and status</a:t>
+              <a:t>Bar Chart </a:t>
             </a:r>
             <a:endParaRPr lang="en-US" dirty="0"/>
           </a:p>
@@ -27724,6 +27675,223 @@
                 </a:spcAft>
               </a:pPr>
               <a:t>7</a:t>
+            </a:fld>
+            <a:endParaRPr lang="en-US" sz="1100"/>
+          </a:p>
+        </p:txBody>
+      </p:sp>
+      <p:sp>
+        <p:nvSpPr>
+          <p:cNvPr id="20" name="Text Placeholder 4">
+            <a:extLst>
+              <a:ext uri="{FF2B5EF4-FFF2-40B4-BE49-F238E27FC236}">
+                <a16:creationId xmlns:a16="http://schemas.microsoft.com/office/drawing/2014/main" id="{C0A26C19-D317-0E30-D6F3-741599EA07EB}"/>
+              </a:ext>
+            </a:extLst>
+          </p:cNvPr>
+          <p:cNvSpPr>
+            <a:spLocks noGrp="1"/>
+          </p:cNvSpPr>
+          <p:nvPr>
+            <p:ph type="body" sz="half" idx="2"/>
+          </p:nvPr>
+        </p:nvSpPr>
+        <p:spPr>
+          <a:xfrm>
+            <a:off x="831489" y="1553259"/>
+            <a:ext cx="3932237" cy="3961419"/>
+          </a:xfrm>
+        </p:spPr>
+        <p:txBody>
+          <a:bodyPr/>
+          <a:lstStyle/>
+          <a:p>
+            <a:pPr marL="285750" indent="-285750">
+              <a:buFont typeface="Arial" panose="020B0604020202020204" pitchFamily="34" charset="0"/>
+              <a:buChar char="•"/>
+            </a:pPr>
+            <a:r>
+              <a:rPr lang="en-US" dirty="0"/>
+              <a:t>X-Axis : Class</a:t>
+            </a:r>
+          </a:p>
+          <a:p>
+            <a:pPr marL="285750" indent="-285750">
+              <a:buFont typeface="Arial" panose="020B0604020202020204" pitchFamily="34" charset="0"/>
+              <a:buChar char="•"/>
+            </a:pPr>
+            <a:r>
+              <a:rPr lang="en-US" dirty="0"/>
+              <a:t>Y-Axis : Priority % of tickets </a:t>
+            </a:r>
+          </a:p>
+          <a:p>
+            <a:pPr marL="285750" indent="-285750">
+              <a:buFont typeface="Arial" panose="020B0604020202020204" pitchFamily="34" charset="0"/>
+              <a:buChar char="•"/>
+            </a:pPr>
+            <a:r>
+              <a:rPr lang="en-US" dirty="0"/>
+              <a:t>From this dashboard we can see that the classes has a mostly even split of priorities per class.</a:t>
+            </a:r>
+          </a:p>
+          <a:p>
+            <a:pPr marL="285750" indent="-285750">
+              <a:buFont typeface="Arial" panose="020B0604020202020204" pitchFamily="34" charset="0"/>
+              <a:buChar char="•"/>
+            </a:pPr>
+            <a:r>
+              <a:rPr lang="en-US" dirty="0"/>
+              <a:t>Most tickets generated were priority level three</a:t>
+            </a:r>
+          </a:p>
+          <a:p>
+            <a:endParaRPr lang="en-US" dirty="0"/>
+          </a:p>
+        </p:txBody>
+      </p:sp>
+      <p:pic>
+        <p:nvPicPr>
+          <p:cNvPr id="7" name="Content Placeholder 6">
+            <a:extLst>
+              <a:ext uri="{FF2B5EF4-FFF2-40B4-BE49-F238E27FC236}">
+                <a16:creationId xmlns:a16="http://schemas.microsoft.com/office/drawing/2014/main" id="{A6045234-9C14-FCAA-51F4-E66620CEF17A}"/>
+              </a:ext>
+            </a:extLst>
+          </p:cNvPr>
+          <p:cNvPicPr>
+            <a:picLocks noGrp="1" noChangeAspect="1"/>
+          </p:cNvPicPr>
+          <p:nvPr>
+            <p:ph idx="1"/>
+          </p:nvPr>
+        </p:nvPicPr>
+        <p:blipFill>
+          <a:blip r:embed="rId2"/>
+          <a:stretch>
+            <a:fillRect/>
+          </a:stretch>
+        </p:blipFill>
+        <p:spPr>
+          <a:xfrm>
+            <a:off x="5183188" y="1542350"/>
+            <a:ext cx="6242050" cy="3517713"/>
+          </a:xfrm>
+        </p:spPr>
+      </p:pic>
+    </p:spTree>
+    <p:extLst>
+      <p:ext uri="{BB962C8B-B14F-4D97-AF65-F5344CB8AC3E}">
+        <p14:creationId xmlns:p14="http://schemas.microsoft.com/office/powerpoint/2010/main" val="4144055160"/>
+      </p:ext>
+    </p:extLst>
+  </p:cSld>
+  <p:clrMapOvr>
+    <a:masterClrMapping/>
+  </p:clrMapOvr>
+</p:sld>
+</file>
+
+<file path=ppt/slides/slide8.xml><?xml version="1.0" encoding="utf-8"?>
+<p:sld xmlns:a="http://schemas.openxmlformats.org/drawingml/2006/main" xmlns:r="http://schemas.openxmlformats.org/officeDocument/2006/relationships" xmlns:p="http://schemas.openxmlformats.org/presentationml/2006/main">
+  <p:cSld>
+    <p:spTree>
+      <p:nvGrpSpPr>
+        <p:cNvPr id="1" name=""/>
+        <p:cNvGrpSpPr/>
+        <p:nvPr/>
+      </p:nvGrpSpPr>
+      <p:grpSpPr>
+        <a:xfrm>
+          <a:off x="0" y="0"/>
+          <a:ext cx="0" cy="0"/>
+          <a:chOff x="0" y="0"/>
+          <a:chExt cx="0" cy="0"/>
+        </a:xfrm>
+      </p:grpSpPr>
+      <p:sp>
+        <p:nvSpPr>
+          <p:cNvPr id="2" name="Title 1">
+            <a:extLst>
+              <a:ext uri="{FF2B5EF4-FFF2-40B4-BE49-F238E27FC236}">
+                <a16:creationId xmlns:a16="http://schemas.microsoft.com/office/drawing/2014/main" id="{884B311B-3177-0658-3585-6639F26A9BF6}"/>
+              </a:ext>
+            </a:extLst>
+          </p:cNvPr>
+          <p:cNvSpPr>
+            <a:spLocks noGrp="1"/>
+          </p:cNvSpPr>
+          <p:nvPr>
+            <p:ph type="title"/>
+          </p:nvPr>
+        </p:nvSpPr>
+        <p:spPr>
+          <a:xfrm>
+            <a:off x="931076" y="607136"/>
+            <a:ext cx="10329847" cy="601862"/>
+          </a:xfrm>
+        </p:spPr>
+        <p:txBody>
+          <a:bodyPr anchor="b">
+            <a:normAutofit fontScale="90000"/>
+          </a:bodyPr>
+          <a:lstStyle/>
+          <a:p>
+            <a:r>
+              <a:rPr lang="en-CA" altLang="zh-CN" dirty="0"/>
+              <a:t>Total number of tickets by month and status</a:t>
+            </a:r>
+            <a:endParaRPr lang="en-US" dirty="0"/>
+          </a:p>
+        </p:txBody>
+      </p:sp>
+      <p:sp>
+        <p:nvSpPr>
+          <p:cNvPr id="8" name="Slide Number Placeholder 7">
+            <a:extLst>
+              <a:ext uri="{FF2B5EF4-FFF2-40B4-BE49-F238E27FC236}">
+                <a16:creationId xmlns:a16="http://schemas.microsoft.com/office/drawing/2014/main" id="{AECF22D2-2B16-C40D-AA90-609B5CD08B3D}"/>
+              </a:ext>
+            </a:extLst>
+          </p:cNvPr>
+          <p:cNvSpPr>
+            <a:spLocks noGrp="1"/>
+          </p:cNvSpPr>
+          <p:nvPr>
+            <p:ph type="sldNum" sz="quarter" idx="12"/>
+          </p:nvPr>
+        </p:nvSpPr>
+        <p:spPr>
+          <a:xfrm>
+            <a:off x="10438475" y="457199"/>
+            <a:ext cx="987552" cy="244503"/>
+          </a:xfrm>
+        </p:spPr>
+        <p:txBody>
+          <a:bodyPr anchor="ctr">
+            <a:normAutofit/>
+          </a:bodyPr>
+          <a:lstStyle/>
+          <a:p>
+            <a:pPr>
+              <a:lnSpc>
+                <a:spcPct val="90000"/>
+              </a:lnSpc>
+              <a:spcAft>
+                <a:spcPts val="600"/>
+              </a:spcAft>
+            </a:pPr>
+            <a:fld id="{48F63A3B-78C7-47BE-AE5E-E10140E04643}" type="slidenum">
+              <a:rPr lang="en-US" sz="1100" smtClean="0"/>
+              <a:pPr>
+                <a:lnSpc>
+                  <a:spcPct val="90000"/>
+                </a:lnSpc>
+                <a:spcAft>
+                  <a:spcPts val="600"/>
+                </a:spcAft>
+              </a:pPr>
+              <a:t>8</a:t>
             </a:fld>
             <a:endParaRPr lang="en-US" sz="1100"/>
           </a:p>
@@ -28640,6 +28808,21 @@
 </file>
 
 <file path=customXml/item1.xml><?xml version="1.0" encoding="utf-8"?>
+<p:properties xmlns:p="http://schemas.microsoft.com/office/2006/metadata/properties" xmlns:xsi="http://www.w3.org/2001/XMLSchema-instance" xmlns:pc="http://schemas.microsoft.com/office/infopath/2007/PartnerControls">
+  <documentManagement/>
+</p:properties>
+</file>
+
+<file path=customXml/item2.xml><?xml version="1.0" encoding="utf-8"?>
+<?mso-contentType ?>
+<FormTemplates xmlns="http://schemas.microsoft.com/sharepoint/v3/contenttype/forms">
+  <Display>DocumentLibraryForm</Display>
+  <Edit>DocumentLibraryForm</Edit>
+  <New>DocumentLibraryForm</New>
+</FormTemplates>
+</file>
+
+<file path=customXml/item3.xml><?xml version="1.0" encoding="utf-8"?>
 <ct:contentTypeSchema xmlns:ct="http://schemas.microsoft.com/office/2006/metadata/contentType" xmlns:ma="http://schemas.microsoft.com/office/2006/metadata/properties/metaAttributes" ct:_="" ma:_="" ma:contentTypeName="Document" ma:contentTypeID="0x0101006C4D0E3AB8E0A94B8B869426CE67F640" ma:contentTypeVersion="0" ma:contentTypeDescription="Create a new document." ma:contentTypeScope="" ma:versionID="0ad18327fb9541f761622ba83bd559c6">
   <xsd:schema xmlns:xsd="http://www.w3.org/2001/XMLSchema" xmlns:xs="http://www.w3.org/2001/XMLSchema" xmlns:p="http://schemas.microsoft.com/office/2006/metadata/properties" targetNamespace="http://schemas.microsoft.com/office/2006/metadata/properties" ma:root="true" ma:fieldsID="1b8aa52597a410fcdcca458e482775c5">
     <xsd:element name="properties">
@@ -28753,22 +28936,30 @@
 </ct:contentTypeSchema>
 </file>
 
-<file path=customXml/item2.xml><?xml version="1.0" encoding="utf-8"?>
-<?mso-contentType ?>
-<FormTemplates xmlns="http://schemas.microsoft.com/sharepoint/v3/contenttype/forms">
-  <Display>DocumentLibraryForm</Display>
-  <Edit>DocumentLibraryForm</Edit>
-  <New>DocumentLibraryForm</New>
-</FormTemplates>
+<file path=customXml/itemProps1.xml><?xml version="1.0" encoding="utf-8"?>
+<ds:datastoreItem xmlns:ds="http://schemas.openxmlformats.org/officeDocument/2006/customXml" ds:itemID="{A4D542F6-3184-4387-BE39-8DA735EB5504}">
+  <ds:schemaRefs>
+    <ds:schemaRef ds:uri="http://purl.org/dc/elements/1.1/"/>
+    <ds:schemaRef ds:uri="http://schemas.microsoft.com/office/2006/metadata/properties"/>
+    <ds:schemaRef ds:uri="http://purl.org/dc/terms/"/>
+    <ds:schemaRef ds:uri="http://schemas.openxmlformats.org/package/2006/metadata/core-properties"/>
+    <ds:schemaRef ds:uri="http://schemas.microsoft.com/office/2006/documentManagement/types"/>
+    <ds:schemaRef ds:uri="http://schemas.microsoft.com/office/infopath/2007/PartnerControls"/>
+    <ds:schemaRef ds:uri="http://www.w3.org/XML/1998/namespace"/>
+    <ds:schemaRef ds:uri="http://purl.org/dc/dcmitype/"/>
+  </ds:schemaRefs>
+</ds:datastoreItem>
 </file>
 
-<file path=customXml/item3.xml><?xml version="1.0" encoding="utf-8"?>
-<p:properties xmlns:p="http://schemas.microsoft.com/office/2006/metadata/properties" xmlns:xsi="http://www.w3.org/2001/XMLSchema-instance" xmlns:pc="http://schemas.microsoft.com/office/infopath/2007/PartnerControls">
-  <documentManagement/>
-</p:properties>
+<file path=customXml/itemProps2.xml><?xml version="1.0" encoding="utf-8"?>
+<ds:datastoreItem xmlns:ds="http://schemas.openxmlformats.org/officeDocument/2006/customXml" ds:itemID="{5117FA41-AE03-4A0A-A9B0-817CABD09473}">
+  <ds:schemaRefs>
+    <ds:schemaRef ds:uri="http://schemas.microsoft.com/sharepoint/v3/contenttype/forms"/>
+  </ds:schemaRefs>
+</ds:datastoreItem>
 </file>
 
-<file path=customXml/itemProps1.xml><?xml version="1.0" encoding="utf-8"?>
+<file path=customXml/itemProps3.xml><?xml version="1.0" encoding="utf-8"?>
 <ds:datastoreItem xmlns:ds="http://schemas.openxmlformats.org/officeDocument/2006/customXml" ds:itemID="{7E154C0A-F9A1-4DA1-9F04-FD1A59E16143}">
   <ds:schemaRefs>
     <ds:schemaRef ds:uri="http://schemas.microsoft.com/office/2006/metadata/contentType"/>
@@ -28784,29 +28975,6 @@
 </ds:datastoreItem>
 </file>
 
-<file path=customXml/itemProps2.xml><?xml version="1.0" encoding="utf-8"?>
-<ds:datastoreItem xmlns:ds="http://schemas.openxmlformats.org/officeDocument/2006/customXml" ds:itemID="{5117FA41-AE03-4A0A-A9B0-817CABD09473}">
-  <ds:schemaRefs>
-    <ds:schemaRef ds:uri="http://schemas.microsoft.com/sharepoint/v3/contenttype/forms"/>
-  </ds:schemaRefs>
-</ds:datastoreItem>
-</file>
-
-<file path=customXml/itemProps3.xml><?xml version="1.0" encoding="utf-8"?>
-<ds:datastoreItem xmlns:ds="http://schemas.openxmlformats.org/officeDocument/2006/customXml" ds:itemID="{A4D542F6-3184-4387-BE39-8DA735EB5504}">
-  <ds:schemaRefs>
-    <ds:schemaRef ds:uri="http://purl.org/dc/elements/1.1/"/>
-    <ds:schemaRef ds:uri="http://schemas.microsoft.com/office/2006/metadata/properties"/>
-    <ds:schemaRef ds:uri="http://purl.org/dc/terms/"/>
-    <ds:schemaRef ds:uri="http://schemas.openxmlformats.org/package/2006/metadata/core-properties"/>
-    <ds:schemaRef ds:uri="http://schemas.microsoft.com/office/2006/documentManagement/types"/>
-    <ds:schemaRef ds:uri="http://schemas.microsoft.com/office/infopath/2007/PartnerControls"/>
-    <ds:schemaRef ds:uri="http://www.w3.org/XML/1998/namespace"/>
-    <ds:schemaRef ds:uri="http://purl.org/dc/dcmitype/"/>
-  </ds:schemaRefs>
-</ds:datastoreItem>
-</file>
-
 <file path=docMetadata/LabelInfo.xml><?xml version="1.0" encoding="utf-8"?>
 <clbl:labelList xmlns:clbl="http://schemas.microsoft.com/office/2020/mipLabelMetadata"/>
 </file>
--- a/ENSF 607 Lab 3.pptx
+++ b/ENSF 607 Lab 3.pptx
@@ -5,19 +5,20 @@
     <p:sldMasterId id="2147483650" r:id="rId4"/>
   </p:sldMasterIdLst>
   <p:notesMasterIdLst>
-    <p:notesMasterId r:id="rId12"/>
+    <p:notesMasterId r:id="rId13"/>
   </p:notesMasterIdLst>
   <p:handoutMasterIdLst>
-    <p:handoutMasterId r:id="rId13"/>
+    <p:handoutMasterId r:id="rId14"/>
   </p:handoutMasterIdLst>
   <p:sldIdLst>
     <p:sldId id="278" r:id="rId5"/>
-    <p:sldId id="284" r:id="rId6"/>
-    <p:sldId id="285" r:id="rId7"/>
-    <p:sldId id="286" r:id="rId8"/>
-    <p:sldId id="287" r:id="rId9"/>
-    <p:sldId id="288" r:id="rId10"/>
-    <p:sldId id="289" r:id="rId11"/>
+    <p:sldId id="291" r:id="rId6"/>
+    <p:sldId id="284" r:id="rId7"/>
+    <p:sldId id="285" r:id="rId8"/>
+    <p:sldId id="286" r:id="rId9"/>
+    <p:sldId id="287" r:id="rId10"/>
+    <p:sldId id="288" r:id="rId11"/>
+    <p:sldId id="289" r:id="rId12"/>
   </p:sldIdLst>
   <p:sldSz cx="12192000" cy="6858000"/>
   <p:notesSz cx="13716000" cy="24384000"/>
@@ -26552,7 +26553,7 @@
           <p:cNvPr id="2" name="Title 1">
             <a:extLst>
               <a:ext uri="{FF2B5EF4-FFF2-40B4-BE49-F238E27FC236}">
-                <a16:creationId xmlns:a16="http://schemas.microsoft.com/office/drawing/2014/main" id="{884B311B-3177-0658-3585-6639F26A9BF6}"/>
+                <a16:creationId xmlns:a16="http://schemas.microsoft.com/office/drawing/2014/main" id="{DC6EF40D-0F5D-3CDC-5512-EAB4E552DA8E}"/>
               </a:ext>
             </a:extLst>
           </p:cNvPr>
@@ -26563,32 +26564,24 @@
             <p:ph type="title"/>
           </p:nvPr>
         </p:nvSpPr>
-        <p:spPr>
-          <a:xfrm>
-            <a:off x="931076" y="607136"/>
-            <a:ext cx="10329847" cy="601862"/>
-          </a:xfrm>
-        </p:spPr>
+        <p:spPr/>
         <p:txBody>
-          <a:bodyPr anchor="b">
-            <a:normAutofit/>
-          </a:bodyPr>
+          <a:bodyPr/>
           <a:lstStyle/>
           <a:p>
             <a:r>
-              <a:rPr lang="en-CA" altLang="zh-CN" dirty="0"/>
-              <a:t># of tickets by duration and class</a:t>
+              <a:rPr lang="en-CA" dirty="0"/>
+              <a:t>Input Variables</a:t>
             </a:r>
-            <a:endParaRPr lang="en-US" dirty="0"/>
           </a:p>
         </p:txBody>
       </p:sp>
       <p:sp>
         <p:nvSpPr>
-          <p:cNvPr id="8" name="Slide Number Placeholder 7">
+          <p:cNvPr id="4" name="Slide Number Placeholder 3">
             <a:extLst>
               <a:ext uri="{FF2B5EF4-FFF2-40B4-BE49-F238E27FC236}">
-                <a16:creationId xmlns:a16="http://schemas.microsoft.com/office/drawing/2014/main" id="{AECF22D2-2B16-C40D-AA90-609B5CD08B3D}"/>
+                <a16:creationId xmlns:a16="http://schemas.microsoft.com/office/drawing/2014/main" id="{50D19200-68F0-CE93-9947-D1104CD201EA}"/>
               </a:ext>
             </a:extLst>
           </p:cNvPr>
@@ -26599,48 +26592,26 @@
             <p:ph type="sldNum" sz="quarter" idx="12"/>
           </p:nvPr>
         </p:nvSpPr>
-        <p:spPr>
-          <a:xfrm>
-            <a:off x="10438475" y="457199"/>
-            <a:ext cx="987552" cy="244503"/>
-          </a:xfrm>
-        </p:spPr>
+        <p:spPr/>
         <p:txBody>
-          <a:bodyPr anchor="ctr">
-            <a:normAutofit/>
-          </a:bodyPr>
+          <a:bodyPr/>
           <a:lstStyle/>
           <a:p>
-            <a:pPr>
-              <a:lnSpc>
-                <a:spcPct val="90000"/>
-              </a:lnSpc>
-              <a:spcAft>
-                <a:spcPts val="600"/>
-              </a:spcAft>
-            </a:pPr>
             <a:fld id="{48F63A3B-78C7-47BE-AE5E-E10140E04643}" type="slidenum">
-              <a:rPr lang="en-US" sz="1100" smtClean="0"/>
-              <a:pPr>
-                <a:lnSpc>
-                  <a:spcPct val="90000"/>
-                </a:lnSpc>
-                <a:spcAft>
-                  <a:spcPts val="600"/>
-                </a:spcAft>
-              </a:pPr>
+              <a:rPr lang="en-US" smtClean="0"/>
+              <a:pPr/>
               <a:t>2</a:t>
             </a:fld>
-            <a:endParaRPr lang="en-US" sz="1100"/>
+            <a:endParaRPr lang="en-US" dirty="0"/>
           </a:p>
         </p:txBody>
       </p:sp>
       <p:sp>
         <p:nvSpPr>
-          <p:cNvPr id="20" name="Text Placeholder 4">
+          <p:cNvPr id="5" name="Content Placeholder 4">
             <a:extLst>
               <a:ext uri="{FF2B5EF4-FFF2-40B4-BE49-F238E27FC236}">
-                <a16:creationId xmlns:a16="http://schemas.microsoft.com/office/drawing/2014/main" id="{C0A26C19-D317-0E30-D6F3-741599EA07EB}"/>
+                <a16:creationId xmlns:a16="http://schemas.microsoft.com/office/drawing/2014/main" id="{DFB2A165-4A6A-B26D-438B-954EF77BCF6F}"/>
               </a:ext>
             </a:extLst>
           </p:cNvPr>
@@ -26648,103 +26619,76 @@
             <a:spLocks noGrp="1"/>
           </p:cNvSpPr>
           <p:nvPr>
-            <p:ph type="body" sz="half" idx="2"/>
+            <p:ph sz="half" idx="1"/>
           </p:nvPr>
         </p:nvSpPr>
-        <p:spPr>
-          <a:xfrm>
-            <a:off x="831489" y="1553259"/>
-            <a:ext cx="3932237" cy="3961419"/>
-          </a:xfrm>
-        </p:spPr>
+        <p:spPr/>
         <p:txBody>
-          <a:bodyPr/>
+          <a:bodyPr>
+            <a:normAutofit/>
+          </a:bodyPr>
           <a:lstStyle/>
           <a:p>
-            <a:pPr marL="285750" indent="-285750">
-              <a:buFont typeface="Arial" panose="020B0604020202020204" pitchFamily="34" charset="0"/>
-              <a:buChar char="•"/>
+            <a:pPr>
+              <a:lnSpc>
+                <a:spcPct val="210000"/>
+              </a:lnSpc>
             </a:pPr>
             <a:r>
-              <a:rPr lang="en-US" dirty="0"/>
-              <a:t>X-axis : Duration</a:t>
+              <a:rPr lang="en-CA" sz="2400" dirty="0"/>
+              <a:t>Number of Tickets: 1000</a:t>
             </a:r>
           </a:p>
           <a:p>
-            <a:pPr marL="285750" indent="-285750">
-              <a:buFont typeface="Arial" panose="020B0604020202020204" pitchFamily="34" charset="0"/>
-              <a:buChar char="•"/>
+            <a:pPr>
+              <a:lnSpc>
+                <a:spcPct val="210000"/>
+              </a:lnSpc>
             </a:pPr>
             <a:r>
-              <a:rPr lang="en-US" dirty="0"/>
-              <a:t>Y-Axis : Tickets</a:t>
+              <a:rPr lang="en-CA" sz="2400" dirty="0"/>
+              <a:t>Start date: 2023-01-01</a:t>
             </a:r>
           </a:p>
           <a:p>
-            <a:pPr marL="285750" indent="-285750">
-              <a:buFont typeface="Arial" panose="020B0604020202020204" pitchFamily="34" charset="0"/>
-              <a:buChar char="•"/>
+            <a:pPr>
+              <a:lnSpc>
+                <a:spcPct val="210000"/>
+              </a:lnSpc>
             </a:pPr>
             <a:r>
-              <a:rPr lang="en-US" dirty="0"/>
-              <a:t>Lines designate class</a:t>
+              <a:rPr lang="en-CA" sz="2400" dirty="0"/>
+              <a:t>End date: 2023-06-30</a:t>
             </a:r>
           </a:p>
           <a:p>
-            <a:pPr marL="285750" indent="-285750">
-              <a:buFont typeface="Arial" panose="020B0604020202020204" pitchFamily="34" charset="0"/>
-              <a:buChar char="•"/>
+            <a:pPr>
+              <a:lnSpc>
+                <a:spcPct val="210000"/>
+              </a:lnSpc>
             </a:pPr>
             <a:r>
-              <a:rPr lang="en-US" dirty="0"/>
-              <a:t>Key takeaway:</a:t>
+              <a:rPr lang="en-CA" sz="2400" dirty="0"/>
+              <a:t>Duration: 6 months</a:t>
             </a:r>
           </a:p>
           <a:p>
-            <a:pPr marL="742950" lvl="1" indent="-285750">
-              <a:buFont typeface="Arial" panose="020B0604020202020204" pitchFamily="34" charset="0"/>
-              <a:buChar char="•"/>
+            <a:pPr>
+              <a:lnSpc>
+                <a:spcPct val="210000"/>
+              </a:lnSpc>
             </a:pPr>
             <a:r>
-              <a:rPr lang="en-US" dirty="0"/>
-              <a:t>Tickets of class Change and Incident have the greatest number of tickets and take the most time to solve </a:t>
+              <a:rPr lang="en-CA" sz="2400" dirty="0"/>
+              <a:t>Power BI was used to generate the following graphs/dashboard</a:t>
             </a:r>
           </a:p>
         </p:txBody>
       </p:sp>
-      <p:pic>
-        <p:nvPicPr>
-          <p:cNvPr id="6" name="Content Placeholder 5">
-            <a:extLst>
-              <a:ext uri="{FF2B5EF4-FFF2-40B4-BE49-F238E27FC236}">
-                <a16:creationId xmlns:a16="http://schemas.microsoft.com/office/drawing/2014/main" id="{1C649E18-93F7-D558-5087-EB9EA6715850}"/>
-              </a:ext>
-            </a:extLst>
-          </p:cNvPr>
-          <p:cNvPicPr>
-            <a:picLocks noGrp="1" noChangeAspect="1"/>
-          </p:cNvPicPr>
-          <p:nvPr>
-            <p:ph idx="1"/>
-          </p:nvPr>
-        </p:nvPicPr>
-        <p:blipFill>
-          <a:blip r:embed="rId2"/>
-          <a:stretch>
-            <a:fillRect/>
-          </a:stretch>
-        </p:blipFill>
-        <p:spPr>
-          <a:xfrm>
-            <a:off x="5183188" y="1544865"/>
-            <a:ext cx="6242050" cy="3512683"/>
-          </a:xfrm>
-        </p:spPr>
-      </p:pic>
     </p:spTree>
     <p:extLst>
       <p:ext uri="{BB962C8B-B14F-4D97-AF65-F5344CB8AC3E}">
-        <p14:creationId xmlns:p14="http://schemas.microsoft.com/office/powerpoint/2010/main" val="2886474736"/>
+        <p14:creationId xmlns:p14="http://schemas.microsoft.com/office/powerpoint/2010/main" val="1713965044"/>
       </p:ext>
     </p:extLst>
   </p:cSld>
@@ -26801,7 +26745,7 @@
           <a:p>
             <a:r>
               <a:rPr lang="en-CA" altLang="zh-CN" dirty="0"/>
-              <a:t>Deployment vs. deployment failed</a:t>
+              <a:t># of tickets by duration and class</a:t>
             </a:r>
             <a:endParaRPr lang="en-US" dirty="0"/>
           </a:p>
@@ -26891,7 +26835,7 @@
             </a:pPr>
             <a:r>
               <a:rPr lang="en-US" dirty="0"/>
-              <a:t>X-Axis : End date by month</a:t>
+              <a:t>X-axis : Duration</a:t>
             </a:r>
           </a:p>
           <a:p>
@@ -26901,7 +26845,17 @@
             </a:pPr>
             <a:r>
               <a:rPr lang="en-US" dirty="0"/>
-              <a:t>Y-Axis : Number of tickets, that were deployed or deployed failed</a:t>
+              <a:t>Y-Axis : Tickets</a:t>
+            </a:r>
+          </a:p>
+          <a:p>
+            <a:pPr marL="285750" indent="-285750">
+              <a:buFont typeface="Arial" panose="020B0604020202020204" pitchFamily="34" charset="0"/>
+              <a:buChar char="•"/>
+            </a:pPr>
+            <a:r>
+              <a:rPr lang="en-US" dirty="0"/>
+              <a:t>Lines designate class</a:t>
             </a:r>
           </a:p>
           <a:p>
@@ -26921,17 +26875,7 @@
             </a:pPr>
             <a:r>
               <a:rPr lang="en-US" dirty="0"/>
-              <a:t>A greater number of tickets deployed failed than deployed successfully </a:t>
-            </a:r>
-          </a:p>
-          <a:p>
-            <a:pPr marL="742950" lvl="1" indent="-285750">
-              <a:buFont typeface="Arial" panose="020B0604020202020204" pitchFamily="34" charset="0"/>
-              <a:buChar char="•"/>
-            </a:pPr>
-            <a:r>
-              <a:rPr lang="en-US" dirty="0"/>
-              <a:t>The month of march saw the greatest discrepancy between failed deployments and successfully deployments</a:t>
+              <a:t>Tickets of class Change and Incident have the greatest number of tickets and take the most time to solve </a:t>
             </a:r>
           </a:p>
         </p:txBody>
@@ -26941,7 +26885,7 @@
           <p:cNvPr id="6" name="Content Placeholder 5">
             <a:extLst>
               <a:ext uri="{FF2B5EF4-FFF2-40B4-BE49-F238E27FC236}">
-                <a16:creationId xmlns:a16="http://schemas.microsoft.com/office/drawing/2014/main" id="{940B055B-49CB-1BCB-6026-A6AB303840B1}"/>
+                <a16:creationId xmlns:a16="http://schemas.microsoft.com/office/drawing/2014/main" id="{1C649E18-93F7-D558-5087-EB9EA6715850}"/>
               </a:ext>
             </a:extLst>
           </p:cNvPr>
@@ -26960,15 +26904,15 @@
         </p:blipFill>
         <p:spPr>
           <a:xfrm>
-            <a:off x="5183188" y="1550894"/>
-            <a:ext cx="6242050" cy="3500625"/>
+            <a:off x="5183188" y="1544865"/>
+            <a:ext cx="6242050" cy="3512683"/>
           </a:xfrm>
         </p:spPr>
       </p:pic>
     </p:spTree>
     <p:extLst>
       <p:ext uri="{BB962C8B-B14F-4D97-AF65-F5344CB8AC3E}">
-        <p14:creationId xmlns:p14="http://schemas.microsoft.com/office/powerpoint/2010/main" val="3825320668"/>
+        <p14:creationId xmlns:p14="http://schemas.microsoft.com/office/powerpoint/2010/main" val="2886474736"/>
       </p:ext>
     </p:extLst>
   </p:cSld>
@@ -27025,11 +26969,7 @@
           <a:p>
             <a:r>
               <a:rPr lang="en-CA" altLang="zh-CN" dirty="0"/>
-              <a:t>MTTR by </a:t>
-            </a:r>
-            <a:r>
-              <a:rPr lang="en-CA" altLang="zh-CN" dirty="0" err="1"/>
-              <a:t>EndDate</a:t>
+              <a:t>Deployment vs. deployment failed</a:t>
             </a:r>
             <a:endParaRPr lang="en-US" dirty="0"/>
           </a:p>
@@ -27119,7 +27059,7 @@
             </a:pPr>
             <a:r>
               <a:rPr lang="en-US" dirty="0"/>
-              <a:t>X-Axis : Time</a:t>
+              <a:t>X-Axis : End date by month</a:t>
             </a:r>
           </a:p>
           <a:p>
@@ -27129,7 +27069,7 @@
             </a:pPr>
             <a:r>
               <a:rPr lang="en-US" dirty="0"/>
-              <a:t>Y-Axis : MTTR, separated by class</a:t>
+              <a:t>Y-Axis : Number of tickets, that were deployed or deployed failed</a:t>
             </a:r>
           </a:p>
           <a:p>
@@ -27149,7 +27089,7 @@
             </a:pPr>
             <a:r>
               <a:rPr lang="en-US" dirty="0"/>
-              <a:t>MTTR increases as we reduce the number of tickets, that is why we see a spike towards the end. </a:t>
+              <a:t>A greater number of tickets deployed failed than deployed successfully </a:t>
             </a:r>
           </a:p>
           <a:p>
@@ -27157,7 +27097,10 @@
               <a:buFont typeface="Arial" panose="020B0604020202020204" pitchFamily="34" charset="0"/>
               <a:buChar char="•"/>
             </a:pPr>
-            <a:endParaRPr lang="en-US" dirty="0"/>
+            <a:r>
+              <a:rPr lang="en-US" dirty="0"/>
+              <a:t>The month of march saw the greatest discrepancy between failed deployments and successfully deployments</a:t>
+            </a:r>
           </a:p>
         </p:txBody>
       </p:sp>
@@ -27166,7 +27109,7 @@
           <p:cNvPr id="6" name="Content Placeholder 5">
             <a:extLst>
               <a:ext uri="{FF2B5EF4-FFF2-40B4-BE49-F238E27FC236}">
-                <a16:creationId xmlns:a16="http://schemas.microsoft.com/office/drawing/2014/main" id="{84D9CCCE-5103-5875-E5D8-F4F667F0A536}"/>
+                <a16:creationId xmlns:a16="http://schemas.microsoft.com/office/drawing/2014/main" id="{940B055B-49CB-1BCB-6026-A6AB303840B1}"/>
               </a:ext>
             </a:extLst>
           </p:cNvPr>
@@ -27185,15 +27128,15 @@
         </p:blipFill>
         <p:spPr>
           <a:xfrm>
-            <a:off x="5183188" y="1550745"/>
-            <a:ext cx="6242050" cy="3500922"/>
+            <a:off x="5183188" y="1550894"/>
+            <a:ext cx="6242050" cy="3500625"/>
           </a:xfrm>
         </p:spPr>
       </p:pic>
     </p:spTree>
     <p:extLst>
       <p:ext uri="{BB962C8B-B14F-4D97-AF65-F5344CB8AC3E}">
-        <p14:creationId xmlns:p14="http://schemas.microsoft.com/office/powerpoint/2010/main" val="3327354505"/>
+        <p14:creationId xmlns:p14="http://schemas.microsoft.com/office/powerpoint/2010/main" val="3825320668"/>
       </p:ext>
     </p:extLst>
   </p:cSld>
@@ -27250,7 +27193,11 @@
           <a:p>
             <a:r>
               <a:rPr lang="en-CA" altLang="zh-CN" dirty="0"/>
-              <a:t>Pie chart</a:t>
+              <a:t>MTTR by </a:t>
+            </a:r>
+            <a:r>
+              <a:rPr lang="en-CA" altLang="zh-CN" dirty="0" err="1"/>
+              <a:t>EndDate</a:t>
             </a:r>
             <a:endParaRPr lang="en-US" dirty="0"/>
           </a:p>
@@ -27340,7 +27287,7 @@
             </a:pPr>
             <a:r>
               <a:rPr lang="en-US" dirty="0"/>
-              <a:t>This pie chart depicts the numbers of tickets and what priority they were given.</a:t>
+              <a:t>X-Axis : Time</a:t>
             </a:r>
           </a:p>
           <a:p>
@@ -27350,7 +27297,7 @@
             </a:pPr>
             <a:r>
               <a:rPr lang="en-US" dirty="0"/>
-              <a:t>We can see most tickets were priority level 3 and priority level 1 has the least number of tickets </a:t>
+              <a:t>Y-Axis : MTTR, separated by class</a:t>
             </a:r>
           </a:p>
           <a:p>
@@ -27360,8 +27307,25 @@
             </a:pPr>
             <a:r>
               <a:rPr lang="en-US" dirty="0"/>
-              <a:t>Over 70% of tickets generated had medium priority levels (2-4)</a:t>
+              <a:t>Key takeaway:</a:t>
             </a:r>
+          </a:p>
+          <a:p>
+            <a:pPr marL="742950" lvl="1" indent="-285750">
+              <a:buFont typeface="Arial" panose="020B0604020202020204" pitchFamily="34" charset="0"/>
+              <a:buChar char="•"/>
+            </a:pPr>
+            <a:r>
+              <a:rPr lang="en-US" dirty="0"/>
+              <a:t>MTTR increases as we reduce the number of tickets, that is why we see a spike towards the end. </a:t>
+            </a:r>
+          </a:p>
+          <a:p>
+            <a:pPr marL="742950" lvl="1" indent="-285750">
+              <a:buFont typeface="Arial" panose="020B0604020202020204" pitchFamily="34" charset="0"/>
+              <a:buChar char="•"/>
+            </a:pPr>
+            <a:endParaRPr lang="en-US" dirty="0"/>
           </a:p>
         </p:txBody>
       </p:sp>
@@ -27370,7 +27334,7 @@
           <p:cNvPr id="6" name="Content Placeholder 5">
             <a:extLst>
               <a:ext uri="{FF2B5EF4-FFF2-40B4-BE49-F238E27FC236}">
-                <a16:creationId xmlns:a16="http://schemas.microsoft.com/office/drawing/2014/main" id="{B4350915-A683-3250-3EC0-FD7E3394BF10}"/>
+                <a16:creationId xmlns:a16="http://schemas.microsoft.com/office/drawing/2014/main" id="{84D9CCCE-5103-5875-E5D8-F4F667F0A536}"/>
               </a:ext>
             </a:extLst>
           </p:cNvPr>
@@ -27389,15 +27353,15 @@
         </p:blipFill>
         <p:spPr>
           <a:xfrm>
-            <a:off x="5183188" y="1550358"/>
-            <a:ext cx="6242050" cy="3501697"/>
+            <a:off x="5183188" y="1550745"/>
+            <a:ext cx="6242050" cy="3500922"/>
           </a:xfrm>
         </p:spPr>
       </p:pic>
     </p:spTree>
     <p:extLst>
       <p:ext uri="{BB962C8B-B14F-4D97-AF65-F5344CB8AC3E}">
-        <p14:creationId xmlns:p14="http://schemas.microsoft.com/office/powerpoint/2010/main" val="2738512632"/>
+        <p14:creationId xmlns:p14="http://schemas.microsoft.com/office/powerpoint/2010/main" val="3327354505"/>
       </p:ext>
     </p:extLst>
   </p:cSld>
@@ -27454,7 +27418,7 @@
           <a:p>
             <a:r>
               <a:rPr lang="en-CA" altLang="zh-CN" dirty="0"/>
-              <a:t>Bar Chart </a:t>
+              <a:t>Pie chart</a:t>
             </a:r>
             <a:endParaRPr lang="en-US" dirty="0"/>
           </a:p>
@@ -27544,7 +27508,7 @@
             </a:pPr>
             <a:r>
               <a:rPr lang="en-US" dirty="0"/>
-              <a:t>X-Axis : Class</a:t>
+              <a:t>This pie chart depicts the numbers of tickets and what priority they were given.</a:t>
             </a:r>
           </a:p>
           <a:p>
@@ -27554,7 +27518,7 @@
             </a:pPr>
             <a:r>
               <a:rPr lang="en-US" dirty="0"/>
-              <a:t>Y-Axis : Priority % of tickets </a:t>
+              <a:t>We can see most tickets were priority level 3 and priority level 1 has the least number of tickets </a:t>
             </a:r>
           </a:p>
           <a:p>
@@ -27564,30 +27528,17 @@
             </a:pPr>
             <a:r>
               <a:rPr lang="en-US" dirty="0"/>
-              <a:t>From this dashboard we can see that the classes has a mostly even split of priorities per class.</a:t>
+              <a:t>Over 70% of tickets generated had medium priority levels (2-4)</a:t>
             </a:r>
-          </a:p>
-          <a:p>
-            <a:pPr marL="285750" indent="-285750">
-              <a:buFont typeface="Arial" panose="020B0604020202020204" pitchFamily="34" charset="0"/>
-              <a:buChar char="•"/>
-            </a:pPr>
-            <a:r>
-              <a:rPr lang="en-US" dirty="0"/>
-              <a:t>Most tickets generated were priority level three</a:t>
-            </a:r>
-          </a:p>
-          <a:p>
-            <a:endParaRPr lang="en-US" dirty="0"/>
           </a:p>
         </p:txBody>
       </p:sp>
       <p:pic>
         <p:nvPicPr>
-          <p:cNvPr id="7" name="Content Placeholder 6">
+          <p:cNvPr id="6" name="Content Placeholder 5">
             <a:extLst>
               <a:ext uri="{FF2B5EF4-FFF2-40B4-BE49-F238E27FC236}">
-                <a16:creationId xmlns:a16="http://schemas.microsoft.com/office/drawing/2014/main" id="{A6045234-9C14-FCAA-51F4-E66620CEF17A}"/>
+                <a16:creationId xmlns:a16="http://schemas.microsoft.com/office/drawing/2014/main" id="{B4350915-A683-3250-3EC0-FD7E3394BF10}"/>
               </a:ext>
             </a:extLst>
           </p:cNvPr>
@@ -27606,15 +27557,15 @@
         </p:blipFill>
         <p:spPr>
           <a:xfrm>
-            <a:off x="5183188" y="1542350"/>
-            <a:ext cx="6242050" cy="3517713"/>
+            <a:off x="5183188" y="1550358"/>
+            <a:ext cx="6242050" cy="3501697"/>
           </a:xfrm>
         </p:spPr>
       </p:pic>
     </p:spTree>
     <p:extLst>
       <p:ext uri="{BB962C8B-B14F-4D97-AF65-F5344CB8AC3E}">
-        <p14:creationId xmlns:p14="http://schemas.microsoft.com/office/powerpoint/2010/main" val="4144055160"/>
+        <p14:creationId xmlns:p14="http://schemas.microsoft.com/office/powerpoint/2010/main" val="2738512632"/>
       </p:ext>
     </p:extLst>
   </p:cSld>
@@ -27665,13 +27616,13 @@
         </p:spPr>
         <p:txBody>
           <a:bodyPr anchor="b">
-            <a:normAutofit fontScale="90000"/>
+            <a:normAutofit/>
           </a:bodyPr>
           <a:lstStyle/>
           <a:p>
             <a:r>
               <a:rPr lang="en-CA" altLang="zh-CN" dirty="0"/>
-              <a:t>Total number of tickets by month and status</a:t>
+              <a:t>Bar Chart </a:t>
             </a:r>
             <a:endParaRPr lang="en-US" dirty="0"/>
           </a:p>
@@ -27724,6 +27675,223 @@
                 </a:spcAft>
               </a:pPr>
               <a:t>7</a:t>
+            </a:fld>
+            <a:endParaRPr lang="en-US" sz="1100"/>
+          </a:p>
+        </p:txBody>
+      </p:sp>
+      <p:sp>
+        <p:nvSpPr>
+          <p:cNvPr id="20" name="Text Placeholder 4">
+            <a:extLst>
+              <a:ext uri="{FF2B5EF4-FFF2-40B4-BE49-F238E27FC236}">
+                <a16:creationId xmlns:a16="http://schemas.microsoft.com/office/drawing/2014/main" id="{C0A26C19-D317-0E30-D6F3-741599EA07EB}"/>
+              </a:ext>
+            </a:extLst>
+          </p:cNvPr>
+          <p:cNvSpPr>
+            <a:spLocks noGrp="1"/>
+          </p:cNvSpPr>
+          <p:nvPr>
+            <p:ph type="body" sz="half" idx="2"/>
+          </p:nvPr>
+        </p:nvSpPr>
+        <p:spPr>
+          <a:xfrm>
+            <a:off x="831489" y="1553259"/>
+            <a:ext cx="3932237" cy="3961419"/>
+          </a:xfrm>
+        </p:spPr>
+        <p:txBody>
+          <a:bodyPr/>
+          <a:lstStyle/>
+          <a:p>
+            <a:pPr marL="285750" indent="-285750">
+              <a:buFont typeface="Arial" panose="020B0604020202020204" pitchFamily="34" charset="0"/>
+              <a:buChar char="•"/>
+            </a:pPr>
+            <a:r>
+              <a:rPr lang="en-US" dirty="0"/>
+              <a:t>X-Axis : Class</a:t>
+            </a:r>
+          </a:p>
+          <a:p>
+            <a:pPr marL="285750" indent="-285750">
+              <a:buFont typeface="Arial" panose="020B0604020202020204" pitchFamily="34" charset="0"/>
+              <a:buChar char="•"/>
+            </a:pPr>
+            <a:r>
+              <a:rPr lang="en-US" dirty="0"/>
+              <a:t>Y-Axis : Priority % of tickets </a:t>
+            </a:r>
+          </a:p>
+          <a:p>
+            <a:pPr marL="285750" indent="-285750">
+              <a:buFont typeface="Arial" panose="020B0604020202020204" pitchFamily="34" charset="0"/>
+              <a:buChar char="•"/>
+            </a:pPr>
+            <a:r>
+              <a:rPr lang="en-US" dirty="0"/>
+              <a:t>From this dashboard we can see that the classes has a mostly even split of priorities per class.</a:t>
+            </a:r>
+          </a:p>
+          <a:p>
+            <a:pPr marL="285750" indent="-285750">
+              <a:buFont typeface="Arial" panose="020B0604020202020204" pitchFamily="34" charset="0"/>
+              <a:buChar char="•"/>
+            </a:pPr>
+            <a:r>
+              <a:rPr lang="en-US" dirty="0"/>
+              <a:t>Most tickets generated were priority level three</a:t>
+            </a:r>
+          </a:p>
+          <a:p>
+            <a:endParaRPr lang="en-US" dirty="0"/>
+          </a:p>
+        </p:txBody>
+      </p:sp>
+      <p:pic>
+        <p:nvPicPr>
+          <p:cNvPr id="7" name="Content Placeholder 6">
+            <a:extLst>
+              <a:ext uri="{FF2B5EF4-FFF2-40B4-BE49-F238E27FC236}">
+                <a16:creationId xmlns:a16="http://schemas.microsoft.com/office/drawing/2014/main" id="{A6045234-9C14-FCAA-51F4-E66620CEF17A}"/>
+              </a:ext>
+            </a:extLst>
+          </p:cNvPr>
+          <p:cNvPicPr>
+            <a:picLocks noGrp="1" noChangeAspect="1"/>
+          </p:cNvPicPr>
+          <p:nvPr>
+            <p:ph idx="1"/>
+          </p:nvPr>
+        </p:nvPicPr>
+        <p:blipFill>
+          <a:blip r:embed="rId2"/>
+          <a:stretch>
+            <a:fillRect/>
+          </a:stretch>
+        </p:blipFill>
+        <p:spPr>
+          <a:xfrm>
+            <a:off x="5183188" y="1542350"/>
+            <a:ext cx="6242050" cy="3517713"/>
+          </a:xfrm>
+        </p:spPr>
+      </p:pic>
+    </p:spTree>
+    <p:extLst>
+      <p:ext uri="{BB962C8B-B14F-4D97-AF65-F5344CB8AC3E}">
+        <p14:creationId xmlns:p14="http://schemas.microsoft.com/office/powerpoint/2010/main" val="4144055160"/>
+      </p:ext>
+    </p:extLst>
+  </p:cSld>
+  <p:clrMapOvr>
+    <a:masterClrMapping/>
+  </p:clrMapOvr>
+</p:sld>
+</file>
+
+<file path=ppt/slides/slide8.xml><?xml version="1.0" encoding="utf-8"?>
+<p:sld xmlns:a="http://schemas.openxmlformats.org/drawingml/2006/main" xmlns:r="http://schemas.openxmlformats.org/officeDocument/2006/relationships" xmlns:p="http://schemas.openxmlformats.org/presentationml/2006/main">
+  <p:cSld>
+    <p:spTree>
+      <p:nvGrpSpPr>
+        <p:cNvPr id="1" name=""/>
+        <p:cNvGrpSpPr/>
+        <p:nvPr/>
+      </p:nvGrpSpPr>
+      <p:grpSpPr>
+        <a:xfrm>
+          <a:off x="0" y="0"/>
+          <a:ext cx="0" cy="0"/>
+          <a:chOff x="0" y="0"/>
+          <a:chExt cx="0" cy="0"/>
+        </a:xfrm>
+      </p:grpSpPr>
+      <p:sp>
+        <p:nvSpPr>
+          <p:cNvPr id="2" name="Title 1">
+            <a:extLst>
+              <a:ext uri="{FF2B5EF4-FFF2-40B4-BE49-F238E27FC236}">
+                <a16:creationId xmlns:a16="http://schemas.microsoft.com/office/drawing/2014/main" id="{884B311B-3177-0658-3585-6639F26A9BF6}"/>
+              </a:ext>
+            </a:extLst>
+          </p:cNvPr>
+          <p:cNvSpPr>
+            <a:spLocks noGrp="1"/>
+          </p:cNvSpPr>
+          <p:nvPr>
+            <p:ph type="title"/>
+          </p:nvPr>
+        </p:nvSpPr>
+        <p:spPr>
+          <a:xfrm>
+            <a:off x="931076" y="607136"/>
+            <a:ext cx="10329847" cy="601862"/>
+          </a:xfrm>
+        </p:spPr>
+        <p:txBody>
+          <a:bodyPr anchor="b">
+            <a:normAutofit fontScale="90000"/>
+          </a:bodyPr>
+          <a:lstStyle/>
+          <a:p>
+            <a:r>
+              <a:rPr lang="en-CA" altLang="zh-CN" dirty="0"/>
+              <a:t>Total number of tickets by month and status</a:t>
+            </a:r>
+            <a:endParaRPr lang="en-US" dirty="0"/>
+          </a:p>
+        </p:txBody>
+      </p:sp>
+      <p:sp>
+        <p:nvSpPr>
+          <p:cNvPr id="8" name="Slide Number Placeholder 7">
+            <a:extLst>
+              <a:ext uri="{FF2B5EF4-FFF2-40B4-BE49-F238E27FC236}">
+                <a16:creationId xmlns:a16="http://schemas.microsoft.com/office/drawing/2014/main" id="{AECF22D2-2B16-C40D-AA90-609B5CD08B3D}"/>
+              </a:ext>
+            </a:extLst>
+          </p:cNvPr>
+          <p:cNvSpPr>
+            <a:spLocks noGrp="1"/>
+          </p:cNvSpPr>
+          <p:nvPr>
+            <p:ph type="sldNum" sz="quarter" idx="12"/>
+          </p:nvPr>
+        </p:nvSpPr>
+        <p:spPr>
+          <a:xfrm>
+            <a:off x="10438475" y="457199"/>
+            <a:ext cx="987552" cy="244503"/>
+          </a:xfrm>
+        </p:spPr>
+        <p:txBody>
+          <a:bodyPr anchor="ctr">
+            <a:normAutofit/>
+          </a:bodyPr>
+          <a:lstStyle/>
+          <a:p>
+            <a:pPr>
+              <a:lnSpc>
+                <a:spcPct val="90000"/>
+              </a:lnSpc>
+              <a:spcAft>
+                <a:spcPts val="600"/>
+              </a:spcAft>
+            </a:pPr>
+            <a:fld id="{48F63A3B-78C7-47BE-AE5E-E10140E04643}" type="slidenum">
+              <a:rPr lang="en-US" sz="1100" smtClean="0"/>
+              <a:pPr>
+                <a:lnSpc>
+                  <a:spcPct val="90000"/>
+                </a:lnSpc>
+                <a:spcAft>
+                  <a:spcPts val="600"/>
+                </a:spcAft>
+              </a:pPr>
+              <a:t>8</a:t>
             </a:fld>
             <a:endParaRPr lang="en-US" sz="1100"/>
           </a:p>
@@ -28640,21 +28808,6 @@
 </file>
 
 <file path=customXml/item1.xml><?xml version="1.0" encoding="utf-8"?>
-<p:properties xmlns:p="http://schemas.microsoft.com/office/2006/metadata/properties" xmlns:xsi="http://www.w3.org/2001/XMLSchema-instance" xmlns:pc="http://schemas.microsoft.com/office/infopath/2007/PartnerControls">
-  <documentManagement/>
-</p:properties>
-</file>
-
-<file path=customXml/item2.xml><?xml version="1.0" encoding="utf-8"?>
-<?mso-contentType ?>
-<FormTemplates xmlns="http://schemas.microsoft.com/sharepoint/v3/contenttype/forms">
-  <Display>DocumentLibraryForm</Display>
-  <Edit>DocumentLibraryForm</Edit>
-  <New>DocumentLibraryForm</New>
-</FormTemplates>
-</file>
-
-<file path=customXml/item3.xml><?xml version="1.0" encoding="utf-8"?>
 <ct:contentTypeSchema xmlns:ct="http://schemas.microsoft.com/office/2006/metadata/contentType" xmlns:ma="http://schemas.microsoft.com/office/2006/metadata/properties/metaAttributes" ct:_="" ma:_="" ma:contentTypeName="Document" ma:contentTypeID="0x0101006C4D0E3AB8E0A94B8B869426CE67F640" ma:contentTypeVersion="0" ma:contentTypeDescription="Create a new document." ma:contentTypeScope="" ma:versionID="0ad18327fb9541f761622ba83bd559c6">
   <xsd:schema xmlns:xsd="http://www.w3.org/2001/XMLSchema" xmlns:xs="http://www.w3.org/2001/XMLSchema" xmlns:p="http://schemas.microsoft.com/office/2006/metadata/properties" targetNamespace="http://schemas.microsoft.com/office/2006/metadata/properties" ma:root="true" ma:fieldsID="1b8aa52597a410fcdcca458e482775c5">
     <xsd:element name="properties">
@@ -28768,30 +28921,22 @@
 </ct:contentTypeSchema>
 </file>
 
-<file path=customXml/itemProps1.xml><?xml version="1.0" encoding="utf-8"?>
-<ds:datastoreItem xmlns:ds="http://schemas.openxmlformats.org/officeDocument/2006/customXml" ds:itemID="{A4D542F6-3184-4387-BE39-8DA735EB5504}">
-  <ds:schemaRefs>
-    <ds:schemaRef ds:uri="http://purl.org/dc/elements/1.1/"/>
-    <ds:schemaRef ds:uri="http://schemas.microsoft.com/office/2006/metadata/properties"/>
-    <ds:schemaRef ds:uri="http://purl.org/dc/terms/"/>
-    <ds:schemaRef ds:uri="http://schemas.openxmlformats.org/package/2006/metadata/core-properties"/>
-    <ds:schemaRef ds:uri="http://schemas.microsoft.com/office/2006/documentManagement/types"/>
-    <ds:schemaRef ds:uri="http://schemas.microsoft.com/office/infopath/2007/PartnerControls"/>
-    <ds:schemaRef ds:uri="http://www.w3.org/XML/1998/namespace"/>
-    <ds:schemaRef ds:uri="http://purl.org/dc/dcmitype/"/>
-  </ds:schemaRefs>
-</ds:datastoreItem>
+<file path=customXml/item2.xml><?xml version="1.0" encoding="utf-8"?>
+<?mso-contentType ?>
+<FormTemplates xmlns="http://schemas.microsoft.com/sharepoint/v3/contenttype/forms">
+  <Display>DocumentLibraryForm</Display>
+  <Edit>DocumentLibraryForm</Edit>
+  <New>DocumentLibraryForm</New>
+</FormTemplates>
 </file>
 
-<file path=customXml/itemProps2.xml><?xml version="1.0" encoding="utf-8"?>
-<ds:datastoreItem xmlns:ds="http://schemas.openxmlformats.org/officeDocument/2006/customXml" ds:itemID="{5117FA41-AE03-4A0A-A9B0-817CABD09473}">
-  <ds:schemaRefs>
-    <ds:schemaRef ds:uri="http://schemas.microsoft.com/sharepoint/v3/contenttype/forms"/>
-  </ds:schemaRefs>
-</ds:datastoreItem>
+<file path=customXml/item3.xml><?xml version="1.0" encoding="utf-8"?>
+<p:properties xmlns:p="http://schemas.microsoft.com/office/2006/metadata/properties" xmlns:xsi="http://www.w3.org/2001/XMLSchema-instance" xmlns:pc="http://schemas.microsoft.com/office/infopath/2007/PartnerControls">
+  <documentManagement/>
+</p:properties>
 </file>
 
-<file path=customXml/itemProps3.xml><?xml version="1.0" encoding="utf-8"?>
+<file path=customXml/itemProps1.xml><?xml version="1.0" encoding="utf-8"?>
 <ds:datastoreItem xmlns:ds="http://schemas.openxmlformats.org/officeDocument/2006/customXml" ds:itemID="{7E154C0A-F9A1-4DA1-9F04-FD1A59E16143}">
   <ds:schemaRefs>
     <ds:schemaRef ds:uri="http://schemas.microsoft.com/office/2006/metadata/contentType"/>
@@ -28807,6 +28952,29 @@
 </ds:datastoreItem>
 </file>
 
+<file path=customXml/itemProps2.xml><?xml version="1.0" encoding="utf-8"?>
+<ds:datastoreItem xmlns:ds="http://schemas.openxmlformats.org/officeDocument/2006/customXml" ds:itemID="{5117FA41-AE03-4A0A-A9B0-817CABD09473}">
+  <ds:schemaRefs>
+    <ds:schemaRef ds:uri="http://schemas.microsoft.com/sharepoint/v3/contenttype/forms"/>
+  </ds:schemaRefs>
+</ds:datastoreItem>
+</file>
+
+<file path=customXml/itemProps3.xml><?xml version="1.0" encoding="utf-8"?>
+<ds:datastoreItem xmlns:ds="http://schemas.openxmlformats.org/officeDocument/2006/customXml" ds:itemID="{A4D542F6-3184-4387-BE39-8DA735EB5504}">
+  <ds:schemaRefs>
+    <ds:schemaRef ds:uri="http://purl.org/dc/elements/1.1/"/>
+    <ds:schemaRef ds:uri="http://schemas.microsoft.com/office/2006/metadata/properties"/>
+    <ds:schemaRef ds:uri="http://purl.org/dc/terms/"/>
+    <ds:schemaRef ds:uri="http://schemas.openxmlformats.org/package/2006/metadata/core-properties"/>
+    <ds:schemaRef ds:uri="http://schemas.microsoft.com/office/2006/documentManagement/types"/>
+    <ds:schemaRef ds:uri="http://schemas.microsoft.com/office/infopath/2007/PartnerControls"/>
+    <ds:schemaRef ds:uri="http://www.w3.org/XML/1998/namespace"/>
+    <ds:schemaRef ds:uri="http://purl.org/dc/dcmitype/"/>
+  </ds:schemaRefs>
+</ds:datastoreItem>
+</file>
+
 <file path=docMetadata/LabelInfo.xml><?xml version="1.0" encoding="utf-8"?>
 <clbl:labelList xmlns:clbl="http://schemas.microsoft.com/office/2020/mipLabelMetadata"/>
 </file>